--- a/Text/02.화면설계도/유상민.pptx
+++ b/Text/02.화면설계도/유상민.pptx
@@ -332,7 +332,7 @@
                 </a:solidFill>
               </a:rPr>
               <a:pPr algn="l"/>
-              <a:t>10/23/2019</a:t>
+              <a:t>10/29/2019</a:t>
             </a:fld>
             <a:endParaRPr sz="1200">
               <a:solidFill>
@@ -653,7 +653,7 @@
             <a:fld id="{FB30EDBD-1C2D-4C1E-B459-B60219FAB484}" type="datetimeFigureOut">
               <a:rPr lang="en-US" altLang="ko-KR"/>
               <a:pPr/>
-              <a:t>10/23/2019</a:t>
+              <a:t>10/29/2019</a:t>
             </a:fld>
             <a:endParaRPr/>
           </a:p>
@@ -928,7 +928,7 @@
             <a:fld id="{FB30EDBD-1C2D-4C1E-B459-B60219FAB484}" type="datetimeFigureOut">
               <a:rPr lang="en-US" altLang="ko-KR"/>
               <a:pPr/>
-              <a:t>10/23/2019</a:t>
+              <a:t>10/29/2019</a:t>
             </a:fld>
             <a:endParaRPr/>
           </a:p>
@@ -1195,7 +1195,7 @@
             <a:fld id="{FB30EDBD-1C2D-4C1E-B459-B60219FAB484}" type="datetimeFigureOut">
               <a:rPr lang="en-US" altLang="ko-KR"/>
               <a:pPr/>
-              <a:t>10/23/2019</a:t>
+              <a:t>10/29/2019</a:t>
             </a:fld>
             <a:endParaRPr/>
           </a:p>
@@ -1504,7 +1504,7 @@
             <a:fld id="{FB30EDBD-1C2D-4C1E-B459-B60219FAB484}" type="datetimeFigureOut">
               <a:rPr lang="en-US" altLang="ko-KR"/>
               <a:pPr/>
-              <a:t>10/23/2019</a:t>
+              <a:t>10/29/2019</a:t>
             </a:fld>
             <a:endParaRPr/>
           </a:p>
@@ -1891,7 +1891,7 @@
             <a:fld id="{FB30EDBD-1C2D-4C1E-B459-B60219FAB484}" type="datetimeFigureOut">
               <a:rPr lang="en-US" altLang="ko-KR"/>
               <a:pPr/>
-              <a:t>10/23/2019</a:t>
+              <a:t>10/29/2019</a:t>
             </a:fld>
             <a:endParaRPr/>
           </a:p>
@@ -2466,7 +2466,7 @@
             <a:fld id="{FB30EDBD-1C2D-4C1E-B459-B60219FAB484}" type="datetimeFigureOut">
               <a:rPr lang="en-US" altLang="ko-KR"/>
               <a:pPr/>
-              <a:t>10/23/2019</a:t>
+              <a:t>10/29/2019</a:t>
             </a:fld>
             <a:endParaRPr/>
           </a:p>
@@ -2621,7 +2621,7 @@
             <a:fld id="{FB30EDBD-1C2D-4C1E-B459-B60219FAB484}" type="datetimeFigureOut">
               <a:rPr lang="en-US" altLang="ko-KR"/>
               <a:pPr/>
-              <a:t>10/23/2019</a:t>
+              <a:t>10/29/2019</a:t>
             </a:fld>
             <a:endParaRPr/>
           </a:p>
@@ -2725,7 +2725,7 @@
             <a:fld id="{FB30EDBD-1C2D-4C1E-B459-B60219FAB484}" type="datetimeFigureOut">
               <a:rPr lang="en-US" altLang="ko-KR"/>
               <a:pPr/>
-              <a:t>10/23/2019</a:t>
+              <a:t>10/29/2019</a:t>
             </a:fld>
             <a:endParaRPr/>
           </a:p>
@@ -3124,7 +3124,7 @@
             <a:fld id="{FB30EDBD-1C2D-4C1E-B459-B60219FAB484}" type="datetimeFigureOut">
               <a:rPr lang="en-US" altLang="ko-KR"/>
               <a:pPr/>
-              <a:t>10/23/2019</a:t>
+              <a:t>10/29/2019</a:t>
             </a:fld>
             <a:endParaRPr/>
           </a:p>
@@ -3443,7 +3443,7 @@
             <a:fld id="{FB30EDBD-1C2D-4C1E-B459-B60219FAB484}" type="datetimeFigureOut">
               <a:rPr lang="en-US" altLang="ko-KR"/>
               <a:pPr/>
-              <a:t>10/23/2019</a:t>
+              <a:t>10/29/2019</a:t>
             </a:fld>
             <a:endParaRPr/>
           </a:p>
@@ -3744,7 +3744,7 @@
                 </a:solidFill>
               </a:rPr>
               <a:pPr algn="l"/>
-              <a:t>10/23/2019</a:t>
+              <a:t>10/29/2019</a:t>
             </a:fld>
             <a:endParaRPr sz="1200">
               <a:solidFill>
@@ -8711,7 +8711,7 @@
                         <a:buNone/>
                       </a:pPr>
                       <a:r>
-                        <a:rPr lang="en-US" altLang="en-US" sz="700" b="0" i="0" kern="1200">
+                        <a:rPr lang="en-US" altLang="en-US" sz="700" b="0" i="0" kern="1200" dirty="0">
                           <a:solidFill>
                             <a:schemeClr val="tx1"/>
                           </a:solidFill>
@@ -8721,7 +8721,7 @@
                         <a:t> </a:t>
                       </a:r>
                       <a:r>
-                        <a:rPr lang="ko-KR" altLang="en-US" sz="700" b="0" i="0" kern="1200">
+                        <a:rPr lang="ko-KR" altLang="en-US" sz="700" b="0" i="0" kern="1200" dirty="0">
                           <a:solidFill>
                             <a:schemeClr val="tx1"/>
                           </a:solidFill>
@@ -8731,7 +8731,7 @@
                         <a:t>아이디</a:t>
                       </a:r>
                       <a:r>
-                        <a:rPr lang="en-US" altLang="en-US" sz="700" b="0" i="0" kern="1200">
+                        <a:rPr lang="en-US" altLang="en-US" sz="700" b="0" i="0" kern="1200" dirty="0">
                           <a:solidFill>
                             <a:schemeClr val="tx1"/>
                           </a:solidFill>
@@ -8741,7 +8741,7 @@
                         <a:t> </a:t>
                       </a:r>
                       <a:r>
-                        <a:rPr lang="ko-KR" altLang="en-US" sz="700" b="0" i="0" kern="1200">
+                        <a:rPr lang="ko-KR" altLang="en-US" sz="700" b="0" i="0" kern="1200" dirty="0">
                           <a:solidFill>
                             <a:schemeClr val="tx1"/>
                           </a:solidFill>
@@ -8751,7 +8751,7 @@
                         <a:t>작성시</a:t>
                       </a:r>
                       <a:r>
-                        <a:rPr lang="en-US" altLang="en-US" sz="700" b="0" i="0" kern="1200">
+                        <a:rPr lang="en-US" altLang="en-US" sz="700" b="0" i="0" kern="1200" dirty="0">
                           <a:solidFill>
                             <a:schemeClr val="tx1"/>
                           </a:solidFill>
@@ -8761,7 +8761,7 @@
                         <a:t> </a:t>
                       </a:r>
                       <a:r>
-                        <a:rPr lang="ko-KR" altLang="en-US" sz="700" b="0" i="0" kern="1200">
+                        <a:rPr lang="ko-KR" altLang="en-US" sz="700" b="0" i="0" kern="1200" dirty="0">
                           <a:solidFill>
                             <a:schemeClr val="tx1"/>
                           </a:solidFill>
@@ -8771,7 +8771,7 @@
                         <a:t>길이는</a:t>
                       </a:r>
                       <a:r>
-                        <a:rPr lang="en-US" altLang="en-US" sz="700" b="0" i="0" kern="1200">
+                        <a:rPr lang="en-US" altLang="en-US" sz="700" b="0" i="0" kern="1200" dirty="0">
                           <a:solidFill>
                             <a:schemeClr val="tx1"/>
                           </a:solidFill>
@@ -8781,7 +8781,7 @@
                         <a:t> </a:t>
                       </a:r>
                       <a:r>
-                        <a:rPr lang="en-US" altLang="ko-KR" sz="700" b="0" i="0" kern="1200">
+                        <a:rPr lang="en-US" altLang="ko-KR" sz="700" b="0" i="0" kern="1200" dirty="0">
                           <a:solidFill>
                             <a:schemeClr val="tx1"/>
                           </a:solidFill>
@@ -8791,7 +8791,7 @@
                         <a:t>7~15</a:t>
                       </a:r>
                       <a:r>
-                        <a:rPr lang="ko-KR" altLang="en-US" sz="700" b="0" i="0" kern="1200">
+                        <a:rPr lang="ko-KR" altLang="en-US" sz="700" b="0" i="0" kern="1200" dirty="0">
                           <a:solidFill>
                             <a:schemeClr val="tx1"/>
                           </a:solidFill>
@@ -8801,7 +8801,7 @@
                         <a:t>자리</a:t>
                       </a:r>
                       <a:r>
-                        <a:rPr lang="en-US" altLang="en-US" sz="700" b="0" i="0" kern="1200">
+                        <a:rPr lang="en-US" altLang="en-US" sz="700" b="0" i="0" kern="1200" dirty="0">
                           <a:solidFill>
                             <a:schemeClr val="tx1"/>
                           </a:solidFill>
@@ -8811,7 +8811,7 @@
                         <a:t> </a:t>
                       </a:r>
                       <a:r>
-                        <a:rPr lang="ko-KR" altLang="en-US" sz="700" b="0" i="0" kern="1200">
+                        <a:rPr lang="ko-KR" altLang="en-US" sz="700" b="0" i="0" kern="1200" dirty="0">
                           <a:solidFill>
                             <a:schemeClr val="tx1"/>
                           </a:solidFill>
@@ -8821,7 +8821,7 @@
                         <a:t>가</a:t>
                       </a:r>
                       <a:r>
-                        <a:rPr lang="en-US" altLang="en-US" sz="700" b="0" i="0" kern="1200">
+                        <a:rPr lang="en-US" altLang="en-US" sz="700" b="0" i="0" kern="1200" dirty="0">
                           <a:solidFill>
                             <a:schemeClr val="tx1"/>
                           </a:solidFill>
@@ -8831,7 +8831,7 @@
                         <a:t> </a:t>
                       </a:r>
                       <a:r>
-                        <a:rPr lang="ko-KR" altLang="en-US" sz="700" b="0" i="0" kern="1200">
+                        <a:rPr lang="ko-KR" altLang="en-US" sz="700" b="0" i="0" kern="1200" dirty="0">
                           <a:solidFill>
                             <a:schemeClr val="tx1"/>
                           </a:solidFill>
@@ -8841,7 +8841,7 @@
                         <a:t>능</a:t>
                       </a:r>
                       <a:r>
-                        <a:rPr lang="en-US" altLang="en-US" sz="700" b="0" i="0" kern="1200">
+                        <a:rPr lang="en-US" altLang="en-US" sz="700" b="0" i="0" kern="1200" dirty="0">
                           <a:solidFill>
                             <a:schemeClr val="tx1"/>
                           </a:solidFill>
@@ -8851,7 +8851,7 @@
                         <a:t> </a:t>
                       </a:r>
                       <a:r>
-                        <a:rPr lang="ko-KR" altLang="en-US" sz="700" b="0" i="0" kern="1200">
+                        <a:rPr lang="ko-KR" altLang="en-US" sz="700" b="0" i="0" kern="1200" dirty="0">
                           <a:solidFill>
                             <a:schemeClr val="tx1"/>
                           </a:solidFill>
@@ -8861,7 +8861,7 @@
                         <a:t>및</a:t>
                       </a:r>
                       <a:r>
-                        <a:rPr lang="en-US" altLang="en-US" sz="700" b="0" i="0" kern="1200">
+                        <a:rPr lang="en-US" altLang="en-US" sz="700" b="0" i="0" kern="1200" dirty="0">
                           <a:solidFill>
                             <a:schemeClr val="tx1"/>
                           </a:solidFill>
@@ -8871,7 +8871,7 @@
                         <a:t> </a:t>
                       </a:r>
                       <a:r>
-                        <a:rPr lang="ko-KR" altLang="en-US" sz="700" b="0" i="0" kern="1200">
+                        <a:rPr lang="ko-KR" altLang="en-US" sz="700" b="0" i="0" kern="1200" dirty="0">
                           <a:solidFill>
                             <a:schemeClr val="tx1"/>
                           </a:solidFill>
@@ -8881,7 +8881,7 @@
                         <a:t>알파벳</a:t>
                       </a:r>
                       <a:r>
-                        <a:rPr lang="en-US" altLang="ko-KR" sz="700" b="0" i="0" kern="1200">
+                        <a:rPr lang="en-US" altLang="ko-KR" sz="700" b="0" i="0" kern="1200" dirty="0">
                           <a:solidFill>
                             <a:schemeClr val="tx1"/>
                           </a:solidFill>
@@ -8891,7 +8891,7 @@
                         <a:t>,</a:t>
                       </a:r>
                       <a:r>
-                        <a:rPr lang="ko-KR" altLang="en-US" sz="700" b="0" i="0" kern="1200">
+                        <a:rPr lang="ko-KR" altLang="en-US" sz="700" b="0" i="0" kern="1200" dirty="0">
                           <a:solidFill>
                             <a:schemeClr val="tx1"/>
                           </a:solidFill>
@@ -8901,7 +8901,7 @@
                         <a:t>숫자가</a:t>
                       </a:r>
                       <a:r>
-                        <a:rPr lang="en-US" altLang="en-US" sz="700" b="0" i="0" kern="1200">
+                        <a:rPr lang="en-US" altLang="en-US" sz="700" b="0" i="0" kern="1200" dirty="0">
                           <a:solidFill>
                             <a:schemeClr val="tx1"/>
                           </a:solidFill>
@@ -8911,7 +8911,7 @@
                         <a:t> </a:t>
                       </a:r>
                       <a:r>
-                        <a:rPr lang="ko-KR" altLang="en-US" sz="700" b="0" i="0" kern="1200">
+                        <a:rPr lang="ko-KR" altLang="en-US" sz="700" b="0" i="0" kern="1200" dirty="0">
                           <a:solidFill>
                             <a:schemeClr val="tx1"/>
                           </a:solidFill>
@@ -8921,7 +8921,7 @@
                         <a:t>조합되어서</a:t>
                       </a:r>
                       <a:r>
-                        <a:rPr lang="en-US" altLang="en-US" sz="700" b="0" i="0" kern="1200">
+                        <a:rPr lang="en-US" altLang="en-US" sz="700" b="0" i="0" kern="1200" dirty="0">
                           <a:solidFill>
                             <a:schemeClr val="tx1"/>
                           </a:solidFill>
@@ -8931,7 +8931,7 @@
                         <a:t> </a:t>
                       </a:r>
                       <a:r>
-                        <a:rPr lang="ko-KR" altLang="en-US" sz="700" b="0" i="0" kern="1200">
+                        <a:rPr lang="ko-KR" altLang="en-US" sz="700" b="0" i="0" kern="1200" dirty="0">
                           <a:solidFill>
                             <a:schemeClr val="tx1"/>
                           </a:solidFill>
@@ -8941,7 +8941,7 @@
                         <a:t>만</a:t>
                       </a:r>
                       <a:r>
-                        <a:rPr lang="en-US" altLang="en-US" sz="700" b="0" i="0" kern="1200">
+                        <a:rPr lang="en-US" altLang="en-US" sz="700" b="0" i="0" kern="1200" dirty="0">
                           <a:solidFill>
                             <a:schemeClr val="tx1"/>
                           </a:solidFill>
@@ -8951,7 +8951,7 @@
                         <a:t> </a:t>
                       </a:r>
                       <a:r>
-                        <a:rPr lang="ko-KR" altLang="en-US" sz="700" b="0" i="0" kern="1200">
+                        <a:rPr lang="ko-KR" altLang="en-US" sz="700" b="0" i="0" kern="1200" dirty="0" err="1">
                           <a:solidFill>
                             <a:schemeClr val="tx1"/>
                           </a:solidFill>
@@ -8961,7 +8961,7 @@
                         <a:t>들어져야함</a:t>
                       </a:r>
                       <a:r>
-                        <a:rPr lang="en-US" altLang="ko-KR" sz="700" b="0" i="0" kern="1200">
+                        <a:rPr lang="en-US" altLang="ko-KR" sz="700" b="0" i="0" kern="1200" dirty="0">
                           <a:solidFill>
                             <a:schemeClr val="tx1"/>
                           </a:solidFill>
@@ -8971,7 +8971,7 @@
                         <a:t>. </a:t>
                       </a:r>
                       <a:r>
-                        <a:rPr lang="ko-KR" altLang="en-US" sz="700" b="0" i="0" kern="1200">
+                        <a:rPr lang="ko-KR" altLang="en-US" sz="700" b="0" i="0" kern="1200" dirty="0" err="1">
                           <a:solidFill>
                             <a:schemeClr val="tx1"/>
                           </a:solidFill>
@@ -8981,7 +8981,7 @@
                         <a:t>그외에는</a:t>
                       </a:r>
                       <a:r>
-                        <a:rPr lang="en-US" altLang="en-US" sz="700" b="0" i="0" kern="1200">
+                        <a:rPr lang="en-US" altLang="en-US" sz="700" b="0" i="0" kern="1200" dirty="0">
                           <a:solidFill>
                             <a:schemeClr val="tx1"/>
                           </a:solidFill>
@@ -8991,7 +8991,7 @@
                         <a:t> </a:t>
                       </a:r>
                       <a:r>
-                        <a:rPr lang="ko-KR" altLang="en-US" sz="700" b="0" i="0" kern="1200">
+                        <a:rPr lang="ko-KR" altLang="en-US" sz="700" b="0" i="0" kern="1200" dirty="0" err="1">
                           <a:solidFill>
                             <a:schemeClr val="tx1"/>
                           </a:solidFill>
@@ -9001,7 +9001,7 @@
                         <a:t>경고창</a:t>
                       </a:r>
                       <a:r>
-                        <a:rPr lang="en-US" altLang="en-US" sz="700" b="0" i="0" kern="1200">
+                        <a:rPr lang="en-US" altLang="en-US" sz="700" b="0" i="0" kern="1200" dirty="0">
                           <a:solidFill>
                             <a:schemeClr val="tx1"/>
                           </a:solidFill>
@@ -9011,7 +9011,7 @@
                         <a:t> </a:t>
                       </a:r>
                       <a:r>
-                        <a:rPr lang="ko-KR" altLang="en-US" sz="700" b="0" i="0" kern="1200">
+                        <a:rPr lang="ko-KR" altLang="en-US" sz="700" b="0" i="0" kern="1200" dirty="0">
                           <a:solidFill>
                             <a:schemeClr val="tx1"/>
                           </a:solidFill>
@@ -11915,7 +11915,7 @@
                         <a:buNone/>
                       </a:pPr>
                       <a:r>
-                        <a:rPr lang="ko-KR" altLang="en-US" sz="700" b="0" i="0" kern="1200">
+                        <a:rPr lang="ko-KR" altLang="en-US" sz="700" b="0" i="0" kern="1200" dirty="0">
                           <a:solidFill>
                             <a:schemeClr val="tx1"/>
                           </a:solidFill>
@@ -11925,7 +11925,7 @@
                         <a:t>집</a:t>
                       </a:r>
                       <a:r>
-                        <a:rPr lang="en-US" altLang="en-US" sz="700" b="0" i="0" kern="1200">
+                        <a:rPr lang="en-US" altLang="en-US" sz="700" b="0" i="0" kern="1200" dirty="0">
                           <a:solidFill>
                             <a:schemeClr val="tx1"/>
                           </a:solidFill>
@@ -11935,7 +11935,7 @@
                         <a:t> </a:t>
                       </a:r>
                       <a:r>
-                        <a:rPr lang="ko-KR" altLang="en-US" sz="700" b="0" i="0" kern="1200">
+                        <a:rPr lang="ko-KR" altLang="en-US" sz="700" b="0" i="0" kern="1200" dirty="0">
                           <a:solidFill>
                             <a:schemeClr val="tx1"/>
                           </a:solidFill>
@@ -11945,7 +11945,7 @@
                         <a:t>전화번호</a:t>
                       </a:r>
                       <a:r>
-                        <a:rPr lang="en-US" altLang="en-US" sz="700" b="0" i="0" kern="1200">
+                        <a:rPr lang="en-US" altLang="en-US" sz="700" b="0" i="0" kern="1200" dirty="0">
                           <a:solidFill>
                             <a:schemeClr val="tx1"/>
                           </a:solidFill>
@@ -11955,7 +11955,7 @@
                         <a:t> </a:t>
                       </a:r>
                       <a:r>
-                        <a:rPr lang="en-US" altLang="ko-KR" sz="700" b="0" i="0" kern="1200">
+                        <a:rPr lang="en-US" altLang="ko-KR" sz="700" b="0" i="0" kern="1200" dirty="0">
                           <a:solidFill>
                             <a:schemeClr val="tx1"/>
                           </a:solidFill>
@@ -11965,7 +11965,7 @@
                         <a:t>(</a:t>
                       </a:r>
                       <a:r>
-                        <a:rPr lang="ko-KR" altLang="en-US" sz="700" b="0" i="0" kern="1200">
+                        <a:rPr lang="ko-KR" altLang="en-US" sz="700" b="0" i="0" kern="1200" dirty="0">
                           <a:solidFill>
                             <a:schemeClr val="tx1"/>
                           </a:solidFill>
@@ -11975,7 +11975,7 @@
                         <a:t>미</a:t>
                       </a:r>
                       <a:r>
-                        <a:rPr lang="en-US" altLang="en-US" sz="700" b="0" i="0" kern="1200">
+                        <a:rPr lang="en-US" altLang="en-US" sz="700" b="0" i="0" kern="1200" dirty="0">
                           <a:solidFill>
                             <a:schemeClr val="tx1"/>
                           </a:solidFill>
@@ -11985,7 +11985,7 @@
                         <a:t> </a:t>
                       </a:r>
                       <a:r>
-                        <a:rPr lang="ko-KR" altLang="en-US" sz="700" b="0" i="0" kern="1200">
+                        <a:rPr lang="ko-KR" altLang="en-US" sz="700" b="0" i="0" kern="1200" dirty="0" err="1">
                           <a:solidFill>
                             <a:schemeClr val="tx1"/>
                           </a:solidFill>
@@ -11995,7 +11995,7 @@
                         <a:t>입력시</a:t>
                       </a:r>
                       <a:r>
-                        <a:rPr lang="en-US" altLang="en-US" sz="700" b="0" i="0" kern="1200">
+                        <a:rPr lang="en-US" altLang="en-US" sz="700" b="0" i="0" kern="1200" dirty="0">
                           <a:solidFill>
                             <a:schemeClr val="tx1"/>
                           </a:solidFill>
@@ -12005,7 +12005,7 @@
                         <a:t> </a:t>
                       </a:r>
                       <a:r>
-                        <a:rPr lang="ko-KR" altLang="en-US" sz="700" b="0" i="0" kern="1200">
+                        <a:rPr lang="ko-KR" altLang="en-US" sz="700" b="0" i="0" kern="1200" dirty="0" err="1">
                           <a:solidFill>
                             <a:schemeClr val="tx1"/>
                           </a:solidFill>
@@ -12015,7 +12015,7 @@
                         <a:t>경고창</a:t>
                       </a:r>
                       <a:r>
-                        <a:rPr lang="en-US" altLang="en-US" sz="700" b="0" i="0" kern="1200">
+                        <a:rPr lang="en-US" altLang="en-US" sz="700" b="0" i="0" kern="1200" dirty="0">
                           <a:solidFill>
                             <a:schemeClr val="tx1"/>
                           </a:solidFill>
@@ -12025,7 +12025,7 @@
                         <a:t> </a:t>
                       </a:r>
                       <a:r>
-                        <a:rPr lang="ko-KR" altLang="en-US" sz="700" b="0" i="0" kern="1200">
+                        <a:rPr lang="ko-KR" altLang="en-US" sz="700" b="0" i="0" kern="1200" dirty="0" smtClean="0">
                           <a:solidFill>
                             <a:schemeClr val="tx1"/>
                           </a:solidFill>
@@ -12035,27 +12035,51 @@
                         <a:t>출력</a:t>
                       </a:r>
                       <a:r>
-                        <a:rPr lang="en-US" altLang="ko-KR" sz="700" b="0" i="0" kern="1200">
-                          <a:solidFill>
-                            <a:schemeClr val="tx1"/>
-                          </a:solidFill>
-                          <a:latin typeface="맑은 고딕"/>
-                          <a:ea typeface="맑은 고딕"/>
-                        </a:rPr>
-                        <a:t>) </a:t>
-                      </a:r>
-                      <a:r>
-                        <a:rPr lang="ko-KR" altLang="en-US" sz="700" b="0" i="0" kern="1200">
-                          <a:solidFill>
-                            <a:schemeClr val="tx1"/>
-                          </a:solidFill>
-                          <a:latin typeface="맑은 고딕"/>
-                          <a:ea typeface="맑은 고딕"/>
-                        </a:rPr>
-                        <a:t>한</a:t>
-                      </a:r>
-                      <a:r>
-                        <a:rPr lang="en-US" altLang="en-US" sz="700" b="0" i="0" kern="1200">
+                        <a:rPr lang="en-US" altLang="ko-KR" sz="700" b="0" i="0" kern="1200" dirty="0" smtClean="0">
+                          <a:solidFill>
+                            <a:schemeClr val="tx1"/>
+                          </a:solidFill>
+                          <a:latin typeface="맑은 고딕"/>
+                          <a:ea typeface="맑은 고딕"/>
+                        </a:rPr>
+                        <a:t>)</a:t>
+                      </a:r>
+                    </a:p>
+                    <a:p>
+                      <a:pPr marL="0" indent="0" algn="l" defTabSz="914400" latinLnBrk="1">
+                        <a:lnSpc>
+                          <a:spcPct val="100000"/>
+                        </a:lnSpc>
+                        <a:spcBef>
+                          <a:spcPts val="0"/>
+                        </a:spcBef>
+                        <a:spcAft>
+                          <a:spcPts val="0"/>
+                        </a:spcAft>
+                        <a:buNone/>
+                      </a:pPr>
+                      <a:r>
+                        <a:rPr lang="ko-KR" altLang="en-US" sz="700" b="0" i="0" kern="1200" dirty="0" smtClean="0">
+                          <a:solidFill>
+                            <a:schemeClr val="tx1"/>
+                          </a:solidFill>
+                          <a:latin typeface="맑은 고딕"/>
+                          <a:ea typeface="맑은 고딕"/>
+                        </a:rPr>
+                        <a:t>전화번호 </a:t>
+                      </a:r>
+                      <a:r>
+                        <a:rPr lang="ko-KR" altLang="en-US" sz="700" b="0" i="0" kern="1200" dirty="0" err="1" smtClean="0">
+                          <a:solidFill>
+                            <a:schemeClr val="tx1"/>
+                          </a:solidFill>
+                          <a:latin typeface="맑은 고딕"/>
+                          <a:ea typeface="맑은 고딕"/>
+                        </a:rPr>
+                        <a:t>입력시</a:t>
+                      </a:r>
+                      <a:r>
+                        <a:rPr lang="ko-KR" altLang="en-US" sz="700" b="0" i="0" kern="1200" dirty="0" smtClean="0">
                           <a:solidFill>
                             <a:schemeClr val="tx1"/>
                           </a:solidFill>
@@ -12065,97 +12089,27 @@
                         <a:t> </a:t>
                       </a:r>
                       <a:r>
-                        <a:rPr lang="ko-KR" altLang="en-US" sz="700" b="0" i="0" kern="1200">
-                          <a:solidFill>
-                            <a:schemeClr val="tx1"/>
-                          </a:solidFill>
-                          <a:latin typeface="맑은 고딕"/>
-                          <a:ea typeface="맑은 고딕"/>
-                        </a:rPr>
-                        <a:t>텍스트에서</a:t>
-                      </a:r>
-                      <a:r>
-                        <a:rPr lang="en-US" altLang="en-US" sz="700" b="0" i="0" kern="1200">
-                          <a:solidFill>
-                            <a:schemeClr val="tx1"/>
-                          </a:solidFill>
-                          <a:latin typeface="맑은 고딕"/>
-                          <a:ea typeface="맑은 고딕"/>
-                        </a:rPr>
-                        <a:t> </a:t>
-                      </a:r>
-                      <a:r>
-                        <a:rPr lang="en-US" altLang="ko-KR" sz="700" b="0" i="0" kern="1200">
-                          <a:solidFill>
-                            <a:schemeClr val="tx1"/>
-                          </a:solidFill>
-                          <a:latin typeface="맑은 고딕"/>
-                          <a:ea typeface="맑은 고딕"/>
-                        </a:rPr>
-                        <a:t>3~4</a:t>
-                      </a:r>
-                      <a:r>
-                        <a:rPr lang="ko-KR" altLang="en-US" sz="700" b="0" i="0" kern="1200">
-                          <a:solidFill>
-                            <a:schemeClr val="tx1"/>
-                          </a:solidFill>
-                          <a:latin typeface="맑은 고딕"/>
-                          <a:ea typeface="맑은 고딕"/>
-                        </a:rPr>
-                        <a:t>자리</a:t>
-                      </a:r>
-                      <a:r>
-                        <a:rPr lang="en-US" altLang="en-US" sz="700" b="0" i="0" kern="1200">
-                          <a:solidFill>
-                            <a:schemeClr val="tx1"/>
-                          </a:solidFill>
-                          <a:latin typeface="맑은 고딕"/>
-                          <a:ea typeface="맑은 고딕"/>
-                        </a:rPr>
-                        <a:t> </a:t>
-                      </a:r>
-                      <a:r>
-                        <a:rPr lang="ko-KR" altLang="en-US" sz="700" b="0" i="0" kern="1200">
-                          <a:solidFill>
-                            <a:schemeClr val="tx1"/>
-                          </a:solidFill>
-                          <a:latin typeface="맑은 고딕"/>
-                          <a:ea typeface="맑은 고딕"/>
-                        </a:rPr>
-                        <a:t>미만</a:t>
-                      </a:r>
-                      <a:r>
-                        <a:rPr lang="en-US" altLang="ko-KR" sz="700" b="0" i="0" kern="1200">
-                          <a:solidFill>
-                            <a:schemeClr val="tx1"/>
-                          </a:solidFill>
-                          <a:latin typeface="맑은 고딕"/>
-                          <a:ea typeface="맑은 고딕"/>
-                        </a:rPr>
-                        <a:t>,</a:t>
-                      </a:r>
-                      <a:r>
-                        <a:rPr lang="ko-KR" altLang="en-US" sz="700" b="0" i="0" kern="1200">
-                          <a:solidFill>
-                            <a:schemeClr val="tx1"/>
-                          </a:solidFill>
-                          <a:latin typeface="맑은 고딕"/>
-                          <a:ea typeface="맑은 고딕"/>
-                        </a:rPr>
-                        <a:t>초과시</a:t>
-                      </a:r>
-                      <a:r>
-                        <a:rPr lang="en-US" altLang="en-US" sz="700" b="0" i="0" kern="1200">
-                          <a:solidFill>
-                            <a:schemeClr val="tx1"/>
-                          </a:solidFill>
-                          <a:latin typeface="맑은 고딕"/>
-                          <a:ea typeface="맑은 고딕"/>
-                        </a:rPr>
-                        <a:t> </a:t>
-                      </a:r>
-                      <a:r>
-                        <a:rPr lang="ko-KR" altLang="en-US" sz="700" b="0" i="0" kern="1200">
+                        <a:rPr lang="en-US" altLang="ko-KR" sz="700" b="0" i="0" kern="1200" dirty="0" smtClean="0">
+                          <a:solidFill>
+                            <a:schemeClr val="tx1"/>
+                          </a:solidFill>
+                          <a:latin typeface="맑은 고딕"/>
+                          <a:ea typeface="맑은 고딕"/>
+                        </a:rPr>
+                        <a:t>11</a:t>
+                      </a:r>
+                      <a:r>
+                        <a:rPr lang="ko-KR" altLang="en-US" sz="700" b="0" i="0" kern="1200" dirty="0" smtClean="0">
+                          <a:solidFill>
+                            <a:schemeClr val="tx1"/>
+                          </a:solidFill>
+                          <a:latin typeface="맑은 고딕"/>
+                          <a:ea typeface="맑은 고딕"/>
+                        </a:rPr>
+                        <a:t>자리 초과시 </a:t>
+                      </a:r>
+                      <a:r>
+                        <a:rPr lang="ko-KR" altLang="en-US" sz="700" b="0" i="0" kern="1200" dirty="0" err="1" smtClean="0">
                           <a:solidFill>
                             <a:schemeClr val="tx1"/>
                           </a:solidFill>
@@ -12165,24 +12119,14 @@
                         <a:t>경고창</a:t>
                       </a:r>
                       <a:r>
-                        <a:rPr lang="en-US" altLang="en-US" sz="700" b="0" i="0" kern="1200">
-                          <a:solidFill>
-                            <a:schemeClr val="tx1"/>
-                          </a:solidFill>
-                          <a:latin typeface="맑은 고딕"/>
-                          <a:ea typeface="맑은 고딕"/>
-                        </a:rPr>
-                        <a:t> </a:t>
-                      </a:r>
-                      <a:r>
-                        <a:rPr lang="ko-KR" altLang="en-US" sz="700" b="0" i="0" kern="1200">
-                          <a:solidFill>
-                            <a:schemeClr val="tx1"/>
-                          </a:solidFill>
-                          <a:latin typeface="맑은 고딕"/>
-                          <a:ea typeface="맑은 고딕"/>
-                        </a:rPr>
-                        <a:t>출력</a:t>
+                        <a:rPr lang="ko-KR" altLang="en-US" sz="700" b="0" i="0" kern="1200" dirty="0" smtClean="0">
+                          <a:solidFill>
+                            <a:schemeClr val="tx1"/>
+                          </a:solidFill>
+                          <a:latin typeface="맑은 고딕"/>
+                          <a:ea typeface="맑은 고딕"/>
+                        </a:rPr>
+                        <a:t> 출력</a:t>
                       </a:r>
                       <a:endParaRPr sz="700" b="0" i="0" kern="1200">
                         <a:solidFill>
@@ -12454,17 +12398,17 @@
                         <a:tabLst/>
                       </a:pPr>
                       <a:r>
-                        <a:rPr lang="ko-KR" altLang="en-US" sz="700" b="0" i="0" kern="1200">
-                          <a:solidFill>
-                            <a:schemeClr val="tx1"/>
-                          </a:solidFill>
-                          <a:latin typeface="맑은 고딕"/>
-                          <a:ea typeface="맑은 고딕"/>
-                        </a:rPr>
-                        <a:t>휴대폰</a:t>
-                      </a:r>
-                      <a:r>
-                        <a:rPr lang="en-US" altLang="en-US" sz="700" b="0" i="0" kern="1200">
+                        <a:rPr lang="ko-KR" altLang="en-US" sz="700" b="0" i="0" kern="1200" dirty="0" smtClean="0">
+                          <a:solidFill>
+                            <a:schemeClr val="tx1"/>
+                          </a:solidFill>
+                          <a:latin typeface="맑은 고딕"/>
+                          <a:ea typeface="맑은 고딕"/>
+                        </a:rPr>
+                        <a:t>휴대전화</a:t>
+                      </a:r>
+                      <a:r>
+                        <a:rPr lang="en-US" altLang="en-US" sz="700" b="0" i="0" kern="1200" dirty="0" smtClean="0">
                           <a:solidFill>
                             <a:schemeClr val="tx1"/>
                           </a:solidFill>
@@ -12474,17 +12418,27 @@
                         <a:t> </a:t>
                       </a:r>
                       <a:r>
-                        <a:rPr lang="ko-KR" altLang="en-US" sz="700" b="0" i="0" kern="1200">
-                          <a:solidFill>
-                            <a:schemeClr val="tx1"/>
-                          </a:solidFill>
-                          <a:latin typeface="맑은 고딕"/>
-                          <a:ea typeface="맑은 고딕"/>
-                        </a:rPr>
-                        <a:t>번호</a:t>
-                      </a:r>
-                      <a:r>
-                        <a:rPr lang="en-US" altLang="en-US" sz="700" b="0" i="0" kern="1200">
+                        <a:rPr lang="en-US" altLang="ko-KR" sz="700" b="0" i="0" kern="1200" dirty="0">
+                          <a:solidFill>
+                            <a:schemeClr val="tx1"/>
+                          </a:solidFill>
+                          <a:latin typeface="맑은 고딕"/>
+                          <a:ea typeface="맑은 고딕"/>
+                        </a:rPr>
+                        <a:t>(</a:t>
+                      </a:r>
+                      <a:r>
+                        <a:rPr lang="ko-KR" altLang="en-US" sz="700" b="0" i="0" kern="1200" dirty="0">
+                          <a:solidFill>
+                            <a:schemeClr val="tx1"/>
+                          </a:solidFill>
+                          <a:latin typeface="맑은 고딕"/>
+                          <a:ea typeface="맑은 고딕"/>
+                        </a:rPr>
+                        <a:t>미</a:t>
+                      </a:r>
+                      <a:r>
+                        <a:rPr lang="en-US" altLang="en-US" sz="700" b="0" i="0" kern="1200" dirty="0">
                           <a:solidFill>
                             <a:schemeClr val="tx1"/>
                           </a:solidFill>
@@ -12494,27 +12448,17 @@
                         <a:t> </a:t>
                       </a:r>
                       <a:r>
-                        <a:rPr lang="en-US" altLang="ko-KR" sz="700" b="0" i="0" kern="1200">
-                          <a:solidFill>
-                            <a:schemeClr val="tx1"/>
-                          </a:solidFill>
-                          <a:latin typeface="맑은 고딕"/>
-                          <a:ea typeface="맑은 고딕"/>
-                        </a:rPr>
-                        <a:t>(</a:t>
-                      </a:r>
-                      <a:r>
-                        <a:rPr lang="ko-KR" altLang="en-US" sz="700" b="0" i="0" kern="1200">
-                          <a:solidFill>
-                            <a:schemeClr val="tx1"/>
-                          </a:solidFill>
-                          <a:latin typeface="맑은 고딕"/>
-                          <a:ea typeface="맑은 고딕"/>
-                        </a:rPr>
-                        <a:t>미</a:t>
-                      </a:r>
-                      <a:r>
-                        <a:rPr lang="en-US" altLang="en-US" sz="700" b="0" i="0" kern="1200">
+                        <a:rPr lang="ko-KR" altLang="en-US" sz="700" b="0" i="0" kern="1200" dirty="0" err="1">
+                          <a:solidFill>
+                            <a:schemeClr val="tx1"/>
+                          </a:solidFill>
+                          <a:latin typeface="맑은 고딕"/>
+                          <a:ea typeface="맑은 고딕"/>
+                        </a:rPr>
+                        <a:t>입력시</a:t>
+                      </a:r>
+                      <a:r>
+                        <a:rPr lang="en-US" altLang="en-US" sz="700" b="0" i="0" kern="1200" dirty="0">
                           <a:solidFill>
                             <a:schemeClr val="tx1"/>
                           </a:solidFill>
@@ -12524,17 +12468,17 @@
                         <a:t> </a:t>
                       </a:r>
                       <a:r>
-                        <a:rPr lang="ko-KR" altLang="en-US" sz="700" b="0" i="0" kern="1200">
-                          <a:solidFill>
-                            <a:schemeClr val="tx1"/>
-                          </a:solidFill>
-                          <a:latin typeface="맑은 고딕"/>
-                          <a:ea typeface="맑은 고딕"/>
-                        </a:rPr>
-                        <a:t>입력시</a:t>
-                      </a:r>
-                      <a:r>
-                        <a:rPr lang="en-US" altLang="en-US" sz="700" b="0" i="0" kern="1200">
+                        <a:rPr lang="ko-KR" altLang="en-US" sz="700" b="0" i="0" kern="1200" dirty="0" err="1">
+                          <a:solidFill>
+                            <a:schemeClr val="tx1"/>
+                          </a:solidFill>
+                          <a:latin typeface="맑은 고딕"/>
+                          <a:ea typeface="맑은 고딕"/>
+                        </a:rPr>
+                        <a:t>경고창</a:t>
+                      </a:r>
+                      <a:r>
+                        <a:rPr lang="en-US" altLang="en-US" sz="700" b="0" i="0" kern="1200" dirty="0">
                           <a:solidFill>
                             <a:schemeClr val="tx1"/>
                           </a:solidFill>
@@ -12544,27 +12488,7 @@
                         <a:t> </a:t>
                       </a:r>
                       <a:r>
-                        <a:rPr lang="ko-KR" altLang="en-US" sz="700" b="0" i="0" kern="1200">
-                          <a:solidFill>
-                            <a:schemeClr val="tx1"/>
-                          </a:solidFill>
-                          <a:latin typeface="맑은 고딕"/>
-                          <a:ea typeface="맑은 고딕"/>
-                        </a:rPr>
-                        <a:t>경고창</a:t>
-                      </a:r>
-                      <a:r>
-                        <a:rPr lang="en-US" altLang="en-US" sz="700" b="0" i="0" kern="1200">
-                          <a:solidFill>
-                            <a:schemeClr val="tx1"/>
-                          </a:solidFill>
-                          <a:latin typeface="맑은 고딕"/>
-                          <a:ea typeface="맑은 고딕"/>
-                        </a:rPr>
-                        <a:t> </a:t>
-                      </a:r>
-                      <a:r>
-                        <a:rPr lang="ko-KR" altLang="en-US" sz="700" b="0" i="0" kern="1200">
+                        <a:rPr lang="ko-KR" altLang="en-US" sz="700" b="0" i="0" kern="1200" dirty="0" smtClean="0">
                           <a:solidFill>
                             <a:schemeClr val="tx1"/>
                           </a:solidFill>
@@ -12574,154 +12498,14 @@
                         <a:t>출력</a:t>
                       </a:r>
                       <a:r>
-                        <a:rPr lang="en-US" altLang="ko-KR" sz="700" b="0" i="0" kern="1200">
-                          <a:solidFill>
-                            <a:schemeClr val="tx1"/>
-                          </a:solidFill>
-                          <a:latin typeface="맑은 고딕"/>
-                          <a:ea typeface="맑은 고딕"/>
-                        </a:rPr>
-                        <a:t>) </a:t>
-                      </a:r>
-                      <a:r>
-                        <a:rPr lang="ko-KR" altLang="en-US" sz="700" b="0" i="0" kern="1200">
-                          <a:solidFill>
-                            <a:schemeClr val="tx1"/>
-                          </a:solidFill>
-                          <a:latin typeface="맑은 고딕"/>
-                          <a:ea typeface="맑은 고딕"/>
-                        </a:rPr>
-                        <a:t>한</a:t>
-                      </a:r>
-                      <a:r>
-                        <a:rPr lang="en-US" altLang="en-US" sz="700" b="0" i="0" kern="1200">
-                          <a:solidFill>
-                            <a:schemeClr val="tx1"/>
-                          </a:solidFill>
-                          <a:latin typeface="맑은 고딕"/>
-                          <a:ea typeface="맑은 고딕"/>
-                        </a:rPr>
-                        <a:t> </a:t>
-                      </a:r>
-                      <a:r>
-                        <a:rPr lang="ko-KR" altLang="en-US" sz="700" b="0" i="0" kern="1200">
-                          <a:solidFill>
-                            <a:schemeClr val="tx1"/>
-                          </a:solidFill>
-                          <a:latin typeface="맑은 고딕"/>
-                          <a:ea typeface="맑은 고딕"/>
-                        </a:rPr>
-                        <a:t>텍스트에서</a:t>
-                      </a:r>
-                      <a:r>
-                        <a:rPr lang="en-US" altLang="en-US" sz="700" b="0" i="0" kern="1200">
-                          <a:solidFill>
-                            <a:schemeClr val="tx1"/>
-                          </a:solidFill>
-                          <a:latin typeface="맑은 고딕"/>
-                          <a:ea typeface="맑은 고딕"/>
-                        </a:rPr>
-                        <a:t> </a:t>
-                      </a:r>
-                      <a:r>
-                        <a:rPr lang="en-US" altLang="ko-KR" sz="700" b="0" i="0" kern="1200">
-                          <a:solidFill>
-                            <a:schemeClr val="tx1"/>
-                          </a:solidFill>
-                          <a:latin typeface="맑은 고딕"/>
-                          <a:ea typeface="맑은 고딕"/>
-                        </a:rPr>
-                        <a:t>3~4</a:t>
-                      </a:r>
-                      <a:r>
-                        <a:rPr lang="ko-KR" altLang="en-US" sz="700" b="0" i="0" kern="1200">
-                          <a:solidFill>
-                            <a:schemeClr val="tx1"/>
-                          </a:solidFill>
-                          <a:latin typeface="맑은 고딕"/>
-                          <a:ea typeface="맑은 고딕"/>
-                        </a:rPr>
-                        <a:t>자리</a:t>
-                      </a:r>
-                      <a:r>
-                        <a:rPr lang="en-US" altLang="en-US" sz="700" b="0" i="0" kern="1200">
-                          <a:solidFill>
-                            <a:schemeClr val="tx1"/>
-                          </a:solidFill>
-                          <a:latin typeface="맑은 고딕"/>
-                          <a:ea typeface="맑은 고딕"/>
-                        </a:rPr>
-                        <a:t> </a:t>
-                      </a:r>
-                      <a:r>
-                        <a:rPr lang="ko-KR" altLang="en-US" sz="700" b="0" i="0" kern="1200">
-                          <a:solidFill>
-                            <a:schemeClr val="tx1"/>
-                          </a:solidFill>
-                          <a:latin typeface="맑은 고딕"/>
-                          <a:ea typeface="맑은 고딕"/>
-                        </a:rPr>
-                        <a:t>미만</a:t>
-                      </a:r>
-                      <a:r>
-                        <a:rPr lang="en-US" altLang="ko-KR" sz="700" b="0" i="0" kern="1200">
-                          <a:solidFill>
-                            <a:schemeClr val="tx1"/>
-                          </a:solidFill>
-                          <a:latin typeface="맑은 고딕"/>
-                          <a:ea typeface="맑은 고딕"/>
-                        </a:rPr>
-                        <a:t>,</a:t>
-                      </a:r>
-                      <a:r>
-                        <a:rPr lang="ko-KR" altLang="en-US" sz="700" b="0" i="0" kern="1200">
-                          <a:solidFill>
-                            <a:schemeClr val="tx1"/>
-                          </a:solidFill>
-                          <a:latin typeface="맑은 고딕"/>
-                          <a:ea typeface="맑은 고딕"/>
-                        </a:rPr>
-                        <a:t>초과시</a:t>
-                      </a:r>
-                      <a:r>
-                        <a:rPr lang="en-US" altLang="en-US" sz="700" b="0" i="0" kern="1200">
-                          <a:solidFill>
-                            <a:schemeClr val="tx1"/>
-                          </a:solidFill>
-                          <a:latin typeface="맑은 고딕"/>
-                          <a:ea typeface="맑은 고딕"/>
-                        </a:rPr>
-                        <a:t> </a:t>
-                      </a:r>
-                      <a:r>
-                        <a:rPr lang="ko-KR" altLang="en-US" sz="700" b="0" i="0" kern="1200">
-                          <a:solidFill>
-                            <a:schemeClr val="tx1"/>
-                          </a:solidFill>
-                          <a:latin typeface="맑은 고딕"/>
-                          <a:ea typeface="맑은 고딕"/>
-                        </a:rPr>
-                        <a:t>경고창</a:t>
-                      </a:r>
-                      <a:r>
-                        <a:rPr lang="en-US" altLang="en-US" sz="700" b="0" i="0" kern="1200">
-                          <a:solidFill>
-                            <a:schemeClr val="tx1"/>
-                          </a:solidFill>
-                          <a:latin typeface="맑은 고딕"/>
-                          <a:ea typeface="맑은 고딕"/>
-                        </a:rPr>
-                        <a:t> </a:t>
-                      </a:r>
-                      <a:r>
-                        <a:rPr lang="ko-KR" altLang="en-US" sz="700" b="0" i="0" kern="1200">
-                          <a:solidFill>
-                            <a:schemeClr val="tx1"/>
-                          </a:solidFill>
-                          <a:latin typeface="맑은 고딕"/>
-                          <a:ea typeface="맑은 고딕"/>
-                        </a:rPr>
-                        <a:t>출력</a:t>
+                        <a:rPr lang="en-US" altLang="ko-KR" sz="700" b="0" i="0" kern="1200" dirty="0" smtClean="0">
+                          <a:solidFill>
+                            <a:schemeClr val="tx1"/>
+                          </a:solidFill>
+                          <a:latin typeface="맑은 고딕"/>
+                          <a:ea typeface="맑은 고딕"/>
+                        </a:rPr>
+                        <a:t>)</a:t>
                       </a:r>
                     </a:p>
                     <a:p>
@@ -12736,7 +12520,58 @@
                           <a:spcPts val="0"/>
                         </a:spcAft>
                         <a:buNone/>
+                        <a:tabLst/>
                       </a:pPr>
+                      <a:r>
+                        <a:rPr lang="ko-KR" altLang="en-US" sz="700" b="0" i="0" kern="1200" dirty="0" smtClean="0">
+                          <a:solidFill>
+                            <a:schemeClr val="tx1"/>
+                          </a:solidFill>
+                          <a:latin typeface="맑은 고딕"/>
+                          <a:ea typeface="맑은 고딕"/>
+                        </a:rPr>
+                        <a:t>휴대전화 작성시 </a:t>
+                      </a:r>
+                      <a:r>
+                        <a:rPr lang="en-US" altLang="ko-KR" sz="700" b="0" i="0" kern="1200" dirty="0" smtClean="0">
+                          <a:solidFill>
+                            <a:schemeClr val="tx1"/>
+                          </a:solidFill>
+                          <a:latin typeface="맑은 고딕"/>
+                          <a:ea typeface="맑은 고딕"/>
+                        </a:rPr>
+                        <a:t>11</a:t>
+                      </a:r>
+                      <a:r>
+                        <a:rPr lang="ko-KR" altLang="en-US" sz="700" b="0" i="0" kern="1200" dirty="0" smtClean="0">
+                          <a:solidFill>
+                            <a:schemeClr val="tx1"/>
+                          </a:solidFill>
+                          <a:latin typeface="맑은 고딕"/>
+                          <a:ea typeface="맑은 고딕"/>
+                        </a:rPr>
+                        <a:t>자리 초과시 </a:t>
+                      </a:r>
+                      <a:r>
+                        <a:rPr lang="ko-KR" altLang="en-US" sz="700" b="0" i="0" kern="1200" dirty="0" err="1" smtClean="0">
+                          <a:solidFill>
+                            <a:schemeClr val="tx1"/>
+                          </a:solidFill>
+                          <a:latin typeface="맑은 고딕"/>
+                          <a:ea typeface="맑은 고딕"/>
+                        </a:rPr>
+                        <a:t>경고창</a:t>
+                      </a:r>
+                      <a:r>
+                        <a:rPr lang="ko-KR" altLang="en-US" sz="700" b="0" i="0" kern="1200" dirty="0" smtClean="0">
+                          <a:solidFill>
+                            <a:schemeClr val="tx1"/>
+                          </a:solidFill>
+                          <a:latin typeface="맑은 고딕"/>
+                          <a:ea typeface="맑은 고딕"/>
+                        </a:rPr>
+                        <a:t> 출력</a:t>
+                      </a:r>
                       <a:endParaRPr sz="700" b="0" i="0" kern="1200">
                         <a:solidFill>
                           <a:schemeClr val="tx1"/>
@@ -12984,7 +12819,7 @@
                         <a:buNone/>
                       </a:pPr>
                       <a:r>
-                        <a:rPr lang="ko-KR" altLang="en-US" sz="700" b="0" i="0" kern="1200">
+                        <a:rPr lang="ko-KR" altLang="en-US" sz="700" b="0" i="0" kern="1200" dirty="0" smtClean="0">
                           <a:solidFill>
                             <a:schemeClr val="tx1"/>
                           </a:solidFill>
@@ -12994,7 +12829,7 @@
                         <a:t>회원가입</a:t>
                       </a:r>
                       <a:r>
-                        <a:rPr lang="en-US" altLang="en-US" sz="700" b="0" i="0" kern="1200">
+                        <a:rPr lang="en-US" altLang="en-US" sz="700" b="0" i="0" kern="1200" dirty="0" smtClean="0">
                           <a:solidFill>
                             <a:schemeClr val="tx1"/>
                           </a:solidFill>
@@ -13004,7 +12839,7 @@
                         <a:t> </a:t>
                       </a:r>
                       <a:r>
-                        <a:rPr lang="ko-KR" altLang="en-US" sz="700" b="0" i="0" kern="1200">
+                        <a:rPr lang="ko-KR" altLang="en-US" sz="700" b="0" i="0" kern="1200" dirty="0" smtClean="0">
                           <a:solidFill>
                             <a:schemeClr val="tx1"/>
                           </a:solidFill>
@@ -13013,48 +12848,39 @@
                         </a:rPr>
                         <a:t>완료</a:t>
                       </a:r>
-                      <a:r>
-                        <a:rPr lang="en-US" altLang="ko-KR" sz="700" b="0" i="0" kern="1200">
-                          <a:solidFill>
-                            <a:schemeClr val="tx1"/>
-                          </a:solidFill>
-                          <a:latin typeface="맑은 고딕"/>
-                          <a:ea typeface="맑은 고딕"/>
-                        </a:rPr>
-                        <a:t>(</a:t>
-                      </a:r>
-                      <a:r>
-                        <a:rPr lang="ko-KR" altLang="en-US" sz="700" b="0" i="0" kern="1200">
-                          <a:solidFill>
-                            <a:schemeClr val="tx1"/>
-                          </a:solidFill>
-                          <a:latin typeface="맑은 고딕"/>
-                          <a:ea typeface="맑은 고딕"/>
-                        </a:rPr>
-                        <a:t>약관</a:t>
-                      </a:r>
-                      <a:r>
-                        <a:rPr lang="en-US" altLang="ko-KR" sz="700" b="0" i="0" kern="1200">
-                          <a:solidFill>
-                            <a:schemeClr val="tx1"/>
-                          </a:solidFill>
-                          <a:latin typeface="맑은 고딕"/>
-                          <a:ea typeface="맑은 고딕"/>
-                        </a:rPr>
-                        <a:t>,</a:t>
-                      </a:r>
-                      <a:r>
-                        <a:rPr lang="ko-KR" altLang="en-US" sz="700" b="0" i="0" kern="1200">
-                          <a:solidFill>
-                            <a:schemeClr val="tx1"/>
-                          </a:solidFill>
-                          <a:latin typeface="맑은 고딕"/>
-                          <a:ea typeface="맑은 고딕"/>
-                        </a:rPr>
-                        <a:t>개인정보정책</a:t>
-                      </a:r>
-                      <a:r>
-                        <a:rPr lang="en-US" altLang="en-US" sz="700" b="0" i="0" kern="1200">
+                      <a:endParaRPr lang="en-US" altLang="ko-KR" sz="700" b="0" i="0" kern="1200" dirty="0" smtClean="0">
+                        <a:solidFill>
+                          <a:schemeClr val="tx1"/>
+                        </a:solidFill>
+                        <a:latin typeface="맑은 고딕"/>
+                        <a:ea typeface="맑은 고딕"/>
+                      </a:endParaRPr>
+                    </a:p>
+                    <a:p>
+                      <a:pPr marL="0" indent="0" algn="l" defTabSz="914400" latinLnBrk="1">
+                        <a:lnSpc>
+                          <a:spcPct val="100000"/>
+                        </a:lnSpc>
+                        <a:spcBef>
+                          <a:spcPts val="0"/>
+                        </a:spcBef>
+                        <a:spcAft>
+                          <a:spcPts val="0"/>
+                        </a:spcAft>
+                        <a:buNone/>
+                      </a:pPr>
+                      <a:r>
+                        <a:rPr lang="ko-KR" altLang="en-US" sz="700" b="0" i="0" kern="1200" dirty="0" smtClean="0">
+                          <a:solidFill>
+                            <a:schemeClr val="tx1"/>
+                          </a:solidFill>
+                          <a:latin typeface="맑은 고딕"/>
+                          <a:ea typeface="맑은 고딕"/>
+                        </a:rPr>
+                        <a:t>완료</a:t>
+                      </a:r>
+                      <a:r>
+                        <a:rPr lang="en-US" altLang="en-US" sz="700" b="0" i="0" kern="1200" dirty="0" smtClean="0">
                           <a:solidFill>
                             <a:schemeClr val="tx1"/>
                           </a:solidFill>
@@ -13064,17 +12890,17 @@
                         <a:t> </a:t>
                       </a:r>
                       <a:r>
-                        <a:rPr lang="ko-KR" altLang="en-US" sz="700" b="0" i="0" kern="1200">
-                          <a:solidFill>
-                            <a:schemeClr val="tx1"/>
-                          </a:solidFill>
-                          <a:latin typeface="맑은 고딕"/>
-                          <a:ea typeface="맑은 고딕"/>
-                        </a:rPr>
-                        <a:t>동의</a:t>
-                      </a:r>
-                      <a:r>
-                        <a:rPr lang="en-US" altLang="en-US" sz="700" b="0" i="0" kern="1200">
+                        <a:rPr lang="ko-KR" altLang="en-US" sz="700" b="0" i="0" kern="1200" dirty="0">
+                          <a:solidFill>
+                            <a:schemeClr val="tx1"/>
+                          </a:solidFill>
+                          <a:latin typeface="맑은 고딕"/>
+                          <a:ea typeface="맑은 고딕"/>
+                        </a:rPr>
+                        <a:t>메시지</a:t>
+                      </a:r>
+                      <a:r>
+                        <a:rPr lang="en-US" altLang="en-US" sz="700" b="0" i="0" kern="1200" dirty="0">
                           <a:solidFill>
                             <a:schemeClr val="tx1"/>
                           </a:solidFill>
@@ -13084,17 +12910,17 @@
                         <a:t> </a:t>
                       </a:r>
                       <a:r>
-                        <a:rPr lang="ko-KR" altLang="en-US" sz="700" b="0" i="0" kern="1200">
-                          <a:solidFill>
-                            <a:schemeClr val="tx1"/>
-                          </a:solidFill>
-                          <a:latin typeface="맑은 고딕"/>
-                          <a:ea typeface="맑은 고딕"/>
-                        </a:rPr>
-                        <a:t>중</a:t>
-                      </a:r>
-                      <a:r>
-                        <a:rPr lang="en-US" altLang="en-US" sz="700" b="0" i="0" kern="1200">
+                        <a:rPr lang="ko-KR" altLang="en-US" sz="700" b="0" i="0" kern="1200" dirty="0">
+                          <a:solidFill>
+                            <a:schemeClr val="tx1"/>
+                          </a:solidFill>
+                          <a:latin typeface="맑은 고딕"/>
+                          <a:ea typeface="맑은 고딕"/>
+                        </a:rPr>
+                        <a:t>후</a:t>
+                      </a:r>
+                      <a:r>
+                        <a:rPr lang="en-US" altLang="en-US" sz="700" b="0" i="0" kern="1200" dirty="0">
                           <a:solidFill>
                             <a:schemeClr val="tx1"/>
                           </a:solidFill>
@@ -13104,17 +12930,17 @@
                         <a:t> </a:t>
                       </a:r>
                       <a:r>
-                        <a:rPr lang="ko-KR" altLang="en-US" sz="700" b="0" i="0" kern="1200">
-                          <a:solidFill>
-                            <a:schemeClr val="tx1"/>
-                          </a:solidFill>
-                          <a:latin typeface="맑은 고딕"/>
-                          <a:ea typeface="맑은 고딕"/>
-                        </a:rPr>
-                        <a:t>하나라도</a:t>
-                      </a:r>
-                      <a:r>
-                        <a:rPr lang="en-US" altLang="en-US" sz="700" b="0" i="0" kern="1200">
+                        <a:rPr lang="ko-KR" altLang="en-US" sz="700" b="0" i="0" kern="1200" dirty="0">
+                          <a:solidFill>
+                            <a:schemeClr val="tx1"/>
+                          </a:solidFill>
+                          <a:latin typeface="맑은 고딕"/>
+                          <a:ea typeface="맑은 고딕"/>
+                        </a:rPr>
+                        <a:t>홈페이지로</a:t>
+                      </a:r>
+                      <a:r>
+                        <a:rPr lang="en-US" altLang="en-US" sz="700" b="0" i="0" kern="1200" dirty="0">
                           <a:solidFill>
                             <a:schemeClr val="tx1"/>
                           </a:solidFill>
@@ -13124,247 +12950,7 @@
                         <a:t> </a:t>
                       </a:r>
                       <a:r>
-                        <a:rPr lang="ko-KR" altLang="en-US" sz="700" b="0" i="0" kern="1200">
-                          <a:solidFill>
-                            <a:schemeClr val="tx1"/>
-                          </a:solidFill>
-                          <a:latin typeface="맑은 고딕"/>
-                          <a:ea typeface="맑은 고딕"/>
-                        </a:rPr>
-                        <a:t>미체크시</a:t>
-                      </a:r>
-                      <a:r>
-                        <a:rPr lang="en-US" altLang="ko-KR" sz="700" b="0" i="0" kern="1200">
-                          <a:solidFill>
-                            <a:schemeClr val="tx1"/>
-                          </a:solidFill>
-                          <a:latin typeface="맑은 고딕"/>
-                          <a:ea typeface="맑은 고딕"/>
-                        </a:rPr>
-                        <a:t>,</a:t>
-                      </a:r>
-                      <a:r>
-                        <a:rPr lang="ko-KR" altLang="en-US" sz="700" b="0" i="0" kern="1200">
-                          <a:solidFill>
-                            <a:schemeClr val="tx1"/>
-                          </a:solidFill>
-                          <a:latin typeface="맑은 고딕"/>
-                          <a:ea typeface="맑은 고딕"/>
-                        </a:rPr>
-                        <a:t>생년월일</a:t>
-                      </a:r>
-                      <a:r>
-                        <a:rPr lang="en-US" altLang="ko-KR" sz="700" b="0" i="0" kern="1200">
-                          <a:solidFill>
-                            <a:schemeClr val="tx1"/>
-                          </a:solidFill>
-                          <a:latin typeface="맑은 고딕"/>
-                          <a:ea typeface="맑은 고딕"/>
-                        </a:rPr>
-                        <a:t>,</a:t>
-                      </a:r>
-                      <a:r>
-                        <a:rPr lang="ko-KR" altLang="en-US" sz="700" b="0" i="0" kern="1200">
-                          <a:solidFill>
-                            <a:schemeClr val="tx1"/>
-                          </a:solidFill>
-                          <a:latin typeface="맑은 고딕"/>
-                          <a:ea typeface="맑은 고딕"/>
-                        </a:rPr>
-                        <a:t>우편번호</a:t>
-                      </a:r>
-                      <a:r>
-                        <a:rPr lang="en-US" altLang="ko-KR" sz="700" b="0" i="0" kern="1200">
-                          <a:solidFill>
-                            <a:schemeClr val="tx1"/>
-                          </a:solidFill>
-                          <a:latin typeface="맑은 고딕"/>
-                          <a:ea typeface="맑은 고딕"/>
-                        </a:rPr>
-                        <a:t>,(</a:t>
-                      </a:r>
-                      <a:r>
-                        <a:rPr lang="ko-KR" altLang="en-US" sz="700" b="0" i="0" kern="1200">
-                          <a:solidFill>
-                            <a:schemeClr val="tx1"/>
-                          </a:solidFill>
-                          <a:latin typeface="맑은 고딕"/>
-                          <a:ea typeface="맑은 고딕"/>
-                        </a:rPr>
-                        <a:t>집</a:t>
-                      </a:r>
-                      <a:r>
-                        <a:rPr lang="en-US" altLang="ko-KR" sz="700" b="0" i="0" kern="1200">
-                          <a:solidFill>
-                            <a:schemeClr val="tx1"/>
-                          </a:solidFill>
-                          <a:latin typeface="맑은 고딕"/>
-                          <a:ea typeface="맑은 고딕"/>
-                        </a:rPr>
-                        <a:t>,</a:t>
-                      </a:r>
-                      <a:r>
-                        <a:rPr lang="ko-KR" altLang="en-US" sz="700" b="0" i="0" kern="1200">
-                          <a:solidFill>
-                            <a:schemeClr val="tx1"/>
-                          </a:solidFill>
-                          <a:latin typeface="맑은 고딕"/>
-                          <a:ea typeface="맑은 고딕"/>
-                        </a:rPr>
-                        <a:t>폰</a:t>
-                      </a:r>
-                      <a:r>
-                        <a:rPr lang="en-US" altLang="ko-KR" sz="700" b="0" i="0" kern="1200">
-                          <a:solidFill>
-                            <a:schemeClr val="tx1"/>
-                          </a:solidFill>
-                          <a:latin typeface="맑은 고딕"/>
-                          <a:ea typeface="맑은 고딕"/>
-                        </a:rPr>
-                        <a:t>)</a:t>
-                      </a:r>
-                      <a:r>
-                        <a:rPr lang="ko-KR" altLang="en-US" sz="700" b="0" i="0" kern="1200">
-                          <a:solidFill>
-                            <a:schemeClr val="tx1"/>
-                          </a:solidFill>
-                          <a:latin typeface="맑은 고딕"/>
-                          <a:ea typeface="맑은 고딕"/>
-                        </a:rPr>
-                        <a:t>전화번호미입력시</a:t>
-                      </a:r>
-                      <a:r>
-                        <a:rPr lang="en-US" altLang="en-US" sz="700" b="0" i="0" kern="1200">
-                          <a:solidFill>
-                            <a:schemeClr val="tx1"/>
-                          </a:solidFill>
-                          <a:latin typeface="맑은 고딕"/>
-                          <a:ea typeface="맑은 고딕"/>
-                        </a:rPr>
-                        <a:t> </a:t>
-                      </a:r>
-                      <a:r>
-                        <a:rPr lang="ko-KR" altLang="en-US" sz="700" b="0" i="0" kern="1200">
-                          <a:solidFill>
-                            <a:schemeClr val="tx1"/>
-                          </a:solidFill>
-                          <a:latin typeface="맑은 고딕"/>
-                          <a:ea typeface="맑은 고딕"/>
-                        </a:rPr>
-                        <a:t>경고창</a:t>
-                      </a:r>
-                      <a:r>
-                        <a:rPr lang="en-US" altLang="en-US" sz="700" b="0" i="0" kern="1200">
-                          <a:solidFill>
-                            <a:schemeClr val="tx1"/>
-                          </a:solidFill>
-                          <a:latin typeface="맑은 고딕"/>
-                          <a:ea typeface="맑은 고딕"/>
-                        </a:rPr>
-                        <a:t> </a:t>
-                      </a:r>
-                      <a:r>
-                        <a:rPr lang="ko-KR" altLang="en-US" sz="700" b="0" i="0" kern="1200">
-                          <a:solidFill>
-                            <a:schemeClr val="tx1"/>
-                          </a:solidFill>
-                          <a:latin typeface="맑은 고딕"/>
-                          <a:ea typeface="맑은 고딕"/>
-                        </a:rPr>
-                        <a:t>출력</a:t>
-                      </a:r>
-                      <a:r>
-                        <a:rPr lang="en-US" altLang="ko-KR" sz="700" b="0" i="0" kern="1200">
-                          <a:solidFill>
-                            <a:schemeClr val="tx1"/>
-                          </a:solidFill>
-                          <a:latin typeface="맑은 고딕"/>
-                          <a:ea typeface="맑은 고딕"/>
-                        </a:rPr>
-                        <a:t>),</a:t>
-                      </a:r>
-                      <a:r>
-                        <a:rPr lang="ko-KR" altLang="en-US" sz="700" b="0" i="0" kern="1200">
-                          <a:solidFill>
-                            <a:schemeClr val="tx1"/>
-                          </a:solidFill>
-                          <a:latin typeface="맑은 고딕"/>
-                          <a:ea typeface="맑은 고딕"/>
-                        </a:rPr>
-                        <a:t>완료</a:t>
-                      </a:r>
-                      <a:r>
-                        <a:rPr lang="en-US" altLang="en-US" sz="700" b="0" i="0" kern="1200">
-                          <a:solidFill>
-                            <a:schemeClr val="tx1"/>
-                          </a:solidFill>
-                          <a:latin typeface="맑은 고딕"/>
-                          <a:ea typeface="맑은 고딕"/>
-                        </a:rPr>
-                        <a:t> </a:t>
-                      </a:r>
-                      <a:r>
-                        <a:rPr lang="ko-KR" altLang="en-US" sz="700" b="0" i="0" kern="1200">
-                          <a:solidFill>
-                            <a:schemeClr val="tx1"/>
-                          </a:solidFill>
-                          <a:latin typeface="맑은 고딕"/>
-                          <a:ea typeface="맑은 고딕"/>
-                        </a:rPr>
-                        <a:t>메시지</a:t>
-                      </a:r>
-                      <a:r>
-                        <a:rPr lang="en-US" altLang="en-US" sz="700" b="0" i="0" kern="1200">
-                          <a:solidFill>
-                            <a:schemeClr val="tx1"/>
-                          </a:solidFill>
-                          <a:latin typeface="맑은 고딕"/>
-                          <a:ea typeface="맑은 고딕"/>
-                        </a:rPr>
-                        <a:t> </a:t>
-                      </a:r>
-                      <a:r>
-                        <a:rPr lang="ko-KR" altLang="en-US" sz="700" b="0" i="0" kern="1200">
-                          <a:solidFill>
-                            <a:schemeClr val="tx1"/>
-                          </a:solidFill>
-                          <a:latin typeface="맑은 고딕"/>
-                          <a:ea typeface="맑은 고딕"/>
-                        </a:rPr>
-                        <a:t>후</a:t>
-                      </a:r>
-                      <a:r>
-                        <a:rPr lang="en-US" altLang="en-US" sz="700" b="0" i="0" kern="1200">
-                          <a:solidFill>
-                            <a:schemeClr val="tx1"/>
-                          </a:solidFill>
-                          <a:latin typeface="맑은 고딕"/>
-                          <a:ea typeface="맑은 고딕"/>
-                        </a:rPr>
-                        <a:t> </a:t>
-                      </a:r>
-                      <a:r>
-                        <a:rPr lang="ko-KR" altLang="en-US" sz="700" b="0" i="0" kern="1200">
-                          <a:solidFill>
-                            <a:schemeClr val="tx1"/>
-                          </a:solidFill>
-                          <a:latin typeface="맑은 고딕"/>
-                          <a:ea typeface="맑은 고딕"/>
-                        </a:rPr>
-                        <a:t>홈페이지로</a:t>
-                      </a:r>
-                      <a:r>
-                        <a:rPr lang="en-US" altLang="en-US" sz="700" b="0" i="0" kern="1200">
-                          <a:solidFill>
-                            <a:schemeClr val="tx1"/>
-                          </a:solidFill>
-                          <a:latin typeface="맑은 고딕"/>
-                          <a:ea typeface="맑은 고딕"/>
-                        </a:rPr>
-                        <a:t> </a:t>
-                      </a:r>
-                      <a:r>
-                        <a:rPr lang="ko-KR" altLang="en-US" sz="700" b="0" i="0" kern="1200">
+                        <a:rPr lang="ko-KR" altLang="en-US" sz="700" b="0" i="0" kern="1200" dirty="0">
                           <a:solidFill>
                             <a:schemeClr val="tx1"/>
                           </a:solidFill>
@@ -13611,7 +13197,7 @@
                         <a:tabLst/>
                       </a:pPr>
                       <a:r>
-                        <a:rPr lang="ko-KR" altLang="en-US" sz="800" b="0" i="0" kern="1200">
+                        <a:rPr lang="ko-KR" altLang="en-US" sz="800" b="0" i="0" kern="1200" dirty="0">
                           <a:solidFill>
                             <a:schemeClr val="tx1"/>
                           </a:solidFill>
@@ -13621,7 +13207,7 @@
                         <a:t>회원가입</a:t>
                       </a:r>
                       <a:r>
-                        <a:rPr lang="en-US" altLang="en-US" sz="800" b="0" i="0" kern="1200">
+                        <a:rPr lang="en-US" altLang="en-US" sz="800" b="0" i="0" kern="1200" dirty="0">
                           <a:solidFill>
                             <a:schemeClr val="tx1"/>
                           </a:solidFill>
@@ -13631,7 +13217,7 @@
                         <a:t> </a:t>
                       </a:r>
                       <a:r>
-                        <a:rPr lang="ko-KR" altLang="en-US" sz="800" b="0" i="0" kern="1200">
+                        <a:rPr lang="ko-KR" altLang="en-US" sz="800" b="0" i="0" kern="1200" dirty="0">
                           <a:solidFill>
                             <a:schemeClr val="tx1"/>
                           </a:solidFill>
@@ -13641,7 +13227,7 @@
                         <a:t>취소</a:t>
                       </a:r>
                       <a:r>
-                        <a:rPr lang="en-US" altLang="ko-KR" sz="800" b="0" i="0" kern="1200">
+                        <a:rPr lang="en-US" altLang="ko-KR" sz="800" b="0" i="0" kern="1200" dirty="0">
                           <a:solidFill>
                             <a:schemeClr val="tx1"/>
                           </a:solidFill>
@@ -13651,7 +13237,7 @@
                         <a:t>, (</a:t>
                       </a:r>
                       <a:r>
-                        <a:rPr lang="ko-KR" altLang="en-US" sz="800" b="0" i="0" kern="1200">
+                        <a:rPr lang="ko-KR" altLang="en-US" sz="800" b="0" i="0" kern="1200" dirty="0">
                           <a:solidFill>
                             <a:schemeClr val="tx1"/>
                           </a:solidFill>
@@ -13661,7 +13247,7 @@
                         <a:t>안내문</a:t>
                       </a:r>
                       <a:r>
-                        <a:rPr lang="en-US" altLang="en-US" sz="800" b="0" i="0" kern="1200">
+                        <a:rPr lang="en-US" altLang="en-US" sz="800" b="0" i="0" kern="1200" dirty="0">
                           <a:solidFill>
                             <a:schemeClr val="tx1"/>
                           </a:solidFill>
@@ -13671,7 +13257,7 @@
                         <a:t> </a:t>
                       </a:r>
                       <a:r>
-                        <a:rPr lang="en-US" altLang="ko-KR" sz="800" b="0" i="0" kern="1200">
+                        <a:rPr lang="en-US" altLang="ko-KR" sz="800" b="0" i="0" kern="1200" dirty="0">
                           <a:solidFill>
                             <a:schemeClr val="tx1"/>
                           </a:solidFill>
@@ -13681,7 +13267,7 @@
                         <a:t>: </a:t>
                       </a:r>
                       <a:r>
-                        <a:rPr lang="ko-KR" altLang="en-US" sz="800" b="0" i="0" kern="1200">
+                        <a:rPr lang="ko-KR" altLang="en-US" sz="800" b="0" i="0" kern="1200" dirty="0">
                           <a:solidFill>
                             <a:schemeClr val="tx1"/>
                           </a:solidFill>
@@ -13691,7 +13277,7 @@
                         <a:t>취소되셨습니다</a:t>
                       </a:r>
                       <a:r>
-                        <a:rPr lang="en-US" altLang="ko-KR" sz="800" b="0" i="0" kern="1200">
+                        <a:rPr lang="en-US" altLang="ko-KR" sz="800" b="0" i="0" kern="1200" dirty="0">
                           <a:solidFill>
                             <a:schemeClr val="tx1"/>
                           </a:solidFill>
@@ -13701,7 +13287,7 @@
                         <a:t>.) </a:t>
                       </a:r>
                       <a:r>
-                        <a:rPr lang="ko-KR" altLang="en-US" sz="800" b="0" i="0" kern="1200">
+                        <a:rPr lang="ko-KR" altLang="en-US" sz="800" b="0" i="0" kern="1200" dirty="0">
                           <a:solidFill>
                             <a:schemeClr val="tx1"/>
                           </a:solidFill>
@@ -13711,7 +13297,7 @@
                         <a:t>뜨고서</a:t>
                       </a:r>
                       <a:r>
-                        <a:rPr lang="en-US" altLang="en-US" sz="800" b="0" i="0" kern="1200">
+                        <a:rPr lang="en-US" altLang="en-US" sz="800" b="0" i="0" kern="1200" dirty="0">
                           <a:solidFill>
                             <a:schemeClr val="tx1"/>
                           </a:solidFill>
@@ -13721,7 +13307,7 @@
                         <a:t> </a:t>
                       </a:r>
                       <a:r>
-                        <a:rPr lang="ko-KR" altLang="en-US" sz="800" b="0" i="0" kern="1200">
+                        <a:rPr lang="ko-KR" altLang="en-US" sz="800" b="0" i="0" kern="1200" dirty="0">
                           <a:solidFill>
                             <a:schemeClr val="tx1"/>
                           </a:solidFill>
@@ -13731,7 +13317,7 @@
                         <a:t>확인</a:t>
                       </a:r>
                       <a:r>
-                        <a:rPr lang="en-US" altLang="en-US" sz="800" b="0" i="0" kern="1200">
+                        <a:rPr lang="en-US" altLang="en-US" sz="800" b="0" i="0" kern="1200" dirty="0">
                           <a:solidFill>
                             <a:schemeClr val="tx1"/>
                           </a:solidFill>
@@ -13741,7 +13327,7 @@
                         <a:t> </a:t>
                       </a:r>
                       <a:r>
-                        <a:rPr lang="ko-KR" altLang="en-US" sz="800" b="0" i="0" kern="1200">
+                        <a:rPr lang="ko-KR" altLang="en-US" sz="800" b="0" i="0" kern="1200" dirty="0">
                           <a:solidFill>
                             <a:schemeClr val="tx1"/>
                           </a:solidFill>
@@ -13751,7 +13337,7 @@
                         <a:t>누르면</a:t>
                       </a:r>
                       <a:r>
-                        <a:rPr lang="en-US" altLang="en-US" sz="800" b="0" i="0" kern="1200">
+                        <a:rPr lang="en-US" altLang="en-US" sz="800" b="0" i="0" kern="1200" dirty="0">
                           <a:solidFill>
                             <a:schemeClr val="tx1"/>
                           </a:solidFill>
@@ -13761,7 +13347,7 @@
                         <a:t> </a:t>
                       </a:r>
                       <a:r>
-                        <a:rPr lang="ko-KR" altLang="en-US" sz="800" b="0" i="0" kern="1200">
+                        <a:rPr lang="ko-KR" altLang="en-US" sz="800" b="0" i="0" kern="1200" dirty="0">
                           <a:solidFill>
                             <a:schemeClr val="tx1"/>
                           </a:solidFill>
@@ -13771,7 +13357,7 @@
                         <a:t>홈페이지로</a:t>
                       </a:r>
                       <a:r>
-                        <a:rPr lang="en-US" altLang="en-US" sz="800" b="0" i="0" kern="1200">
+                        <a:rPr lang="en-US" altLang="en-US" sz="800" b="0" i="0" kern="1200" dirty="0">
                           <a:solidFill>
                             <a:schemeClr val="tx1"/>
                           </a:solidFill>
@@ -13781,7 +13367,7 @@
                         <a:t> </a:t>
                       </a:r>
                       <a:r>
-                        <a:rPr lang="ko-KR" altLang="en-US" sz="800" b="0" i="0" kern="1200">
+                        <a:rPr lang="ko-KR" altLang="en-US" sz="800" b="0" i="0" kern="1200" dirty="0">
                           <a:solidFill>
                             <a:schemeClr val="tx1"/>
                           </a:solidFill>
@@ -14580,7 +14166,7 @@
       </p:graphicFrame>
       <p:pic>
         <p:nvPicPr>
-          <p:cNvPr id="7" name="그림 6" descr="유상민.png"/>
+          <p:cNvPr id="6" name="그림 5" descr="유상민.png"/>
           <p:cNvPicPr>
             <a:picLocks noChangeAspect="1"/>
           </p:cNvPicPr>
@@ -14594,8 +14180,8 @@
         </p:blipFill>
         <p:spPr>
           <a:xfrm>
-            <a:off x="1452530" y="1000108"/>
-            <a:ext cx="6220694" cy="5096587"/>
+            <a:off x="1166778" y="1142984"/>
+            <a:ext cx="6222340" cy="5097936"/>
           </a:xfrm>
           <a:prstGeom prst="rect">
             <a:avLst/>
@@ -14739,7 +14325,7 @@
                         <a:buNone/>
                       </a:pPr>
                       <a:r>
-                        <a:rPr lang="en-US" altLang="ko-KR" sz="1000" b="1" i="0" kern="1200">
+                        <a:rPr lang="en-US" altLang="ko-KR" sz="1000" b="1" i="0" kern="1200" dirty="0">
                           <a:solidFill>
                             <a:schemeClr val="tx1"/>
                           </a:solidFill>
@@ -18380,281 +17966,175 @@
                         <a:buNone/>
                       </a:pPr>
                       <a:r>
-                        <a:rPr lang="ko-KR" altLang="en-US" sz="700" b="0" i="0" kern="1200">
-                          <a:solidFill>
-                            <a:schemeClr val="tx1"/>
-                          </a:solidFill>
-                          <a:latin typeface="맑은 고딕"/>
-                          <a:ea typeface="맑은 고딕"/>
-                        </a:rPr>
-                        <a:t>집</a:t>
-                      </a:r>
-                      <a:r>
-                        <a:rPr lang="en-US" altLang="en-US" sz="700" b="0" i="0" kern="1200">
-                          <a:solidFill>
-                            <a:schemeClr val="tx1"/>
-                          </a:solidFill>
-                          <a:latin typeface="맑은 고딕"/>
-                          <a:ea typeface="맑은 고딕"/>
+                        <a:rPr lang="ko-KR" altLang="en-US" sz="700" b="0" i="0" kern="1200" dirty="0" smtClean="0">
+                          <a:solidFill>
+                            <a:schemeClr val="tx1"/>
+                          </a:solidFill>
+                          <a:latin typeface="+mn-lt"/>
+                          <a:ea typeface="+mn-ea"/>
+                        </a:rPr>
+                        <a:t>집 전화번호 </a:t>
+                      </a:r>
+                      <a:r>
+                        <a:rPr lang="en-US" altLang="ko-KR" sz="700" b="0" i="0" kern="1200" dirty="0" smtClean="0">
+                          <a:solidFill>
+                            <a:schemeClr val="tx1"/>
+                          </a:solidFill>
+                          <a:latin typeface="+mn-lt"/>
+                          <a:ea typeface="+mn-ea"/>
+                        </a:rPr>
+                        <a:t>(</a:t>
+                      </a:r>
+                      <a:r>
+                        <a:rPr lang="ko-KR" altLang="en-US" sz="700" b="0" i="0" kern="1200" dirty="0" smtClean="0">
+                          <a:solidFill>
+                            <a:schemeClr val="tx1"/>
+                          </a:solidFill>
+                          <a:latin typeface="+mn-lt"/>
+                          <a:ea typeface="+mn-ea"/>
+                        </a:rPr>
+                        <a:t>미 </a:t>
+                      </a:r>
+                      <a:r>
+                        <a:rPr lang="ko-KR" altLang="en-US" sz="700" b="0" i="0" kern="1200" dirty="0" err="1" smtClean="0">
+                          <a:solidFill>
+                            <a:schemeClr val="tx1"/>
+                          </a:solidFill>
+                          <a:latin typeface="+mn-lt"/>
+                          <a:ea typeface="+mn-ea"/>
+                        </a:rPr>
+                        <a:t>입력시</a:t>
+                      </a:r>
+                      <a:r>
+                        <a:rPr lang="ko-KR" altLang="en-US" sz="700" b="0" i="0" kern="1200" dirty="0" smtClean="0">
+                          <a:solidFill>
+                            <a:schemeClr val="tx1"/>
+                          </a:solidFill>
+                          <a:latin typeface="+mn-lt"/>
+                          <a:ea typeface="+mn-ea"/>
                         </a:rPr>
                         <a:t> </a:t>
                       </a:r>
                       <a:r>
-                        <a:rPr lang="ko-KR" altLang="en-US" sz="700" b="0" i="0" kern="1200">
-                          <a:solidFill>
-                            <a:schemeClr val="tx1"/>
-                          </a:solidFill>
-                          <a:latin typeface="맑은 고딕"/>
-                          <a:ea typeface="맑은 고딕"/>
-                        </a:rPr>
-                        <a:t>전화번호</a:t>
-                      </a:r>
-                      <a:r>
-                        <a:rPr lang="en-US" altLang="en-US" sz="700" b="0" i="0" kern="1200">
-                          <a:solidFill>
-                            <a:schemeClr val="tx1"/>
-                          </a:solidFill>
-                          <a:latin typeface="맑은 고딕"/>
-                          <a:ea typeface="맑은 고딕"/>
+                        <a:rPr lang="ko-KR" altLang="en-US" sz="700" b="0" i="0" kern="1200" dirty="0" err="1" smtClean="0">
+                          <a:solidFill>
+                            <a:schemeClr val="tx1"/>
+                          </a:solidFill>
+                          <a:latin typeface="+mn-lt"/>
+                          <a:ea typeface="+mn-ea"/>
+                        </a:rPr>
+                        <a:t>경고창</a:t>
+                      </a:r>
+                      <a:r>
+                        <a:rPr lang="ko-KR" altLang="en-US" sz="700" b="0" i="0" kern="1200" dirty="0" smtClean="0">
+                          <a:solidFill>
+                            <a:schemeClr val="tx1"/>
+                          </a:solidFill>
+                          <a:latin typeface="+mn-lt"/>
+                          <a:ea typeface="+mn-ea"/>
+                        </a:rPr>
+                        <a:t> 출력</a:t>
+                      </a:r>
+                      <a:r>
+                        <a:rPr lang="en-US" altLang="ko-KR" sz="700" b="0" i="0" kern="1200" dirty="0" smtClean="0">
+                          <a:solidFill>
+                            <a:schemeClr val="tx1"/>
+                          </a:solidFill>
+                          <a:latin typeface="+mn-lt"/>
+                          <a:ea typeface="+mn-ea"/>
+                        </a:rPr>
+                        <a:t>)</a:t>
+                      </a:r>
+                    </a:p>
+                    <a:p>
+                      <a:pPr marL="0" indent="0" algn="l" defTabSz="914400" latinLnBrk="1">
+                        <a:lnSpc>
+                          <a:spcPct val="100000"/>
+                        </a:lnSpc>
+                        <a:spcBef>
+                          <a:spcPts val="0"/>
+                        </a:spcBef>
+                        <a:spcAft>
+                          <a:spcPts val="0"/>
+                        </a:spcAft>
+                        <a:buNone/>
+                      </a:pPr>
+                      <a:r>
+                        <a:rPr lang="ko-KR" altLang="en-US" sz="700" b="0" i="0" kern="1200" dirty="0" smtClean="0">
+                          <a:solidFill>
+                            <a:schemeClr val="tx1"/>
+                          </a:solidFill>
+                          <a:latin typeface="+mn-lt"/>
+                          <a:ea typeface="+mn-ea"/>
+                        </a:rPr>
+                        <a:t>전화번호 </a:t>
+                      </a:r>
+                      <a:r>
+                        <a:rPr lang="ko-KR" altLang="en-US" sz="700" b="0" i="0" kern="1200" dirty="0" err="1" smtClean="0">
+                          <a:solidFill>
+                            <a:schemeClr val="tx1"/>
+                          </a:solidFill>
+                          <a:latin typeface="+mn-lt"/>
+                          <a:ea typeface="+mn-ea"/>
+                        </a:rPr>
+                        <a:t>입력시</a:t>
+                      </a:r>
+                      <a:r>
+                        <a:rPr lang="ko-KR" altLang="en-US" sz="700" b="0" i="0" kern="1200" dirty="0" smtClean="0">
+                          <a:solidFill>
+                            <a:schemeClr val="tx1"/>
+                          </a:solidFill>
+                          <a:latin typeface="+mn-lt"/>
+                          <a:ea typeface="+mn-ea"/>
                         </a:rPr>
                         <a:t> </a:t>
                       </a:r>
                       <a:r>
-                        <a:rPr lang="en-US" altLang="ko-KR" sz="700" b="0" i="0" kern="1200">
-                          <a:solidFill>
-                            <a:schemeClr val="tx1"/>
-                          </a:solidFill>
-                          <a:latin typeface="맑은 고딕"/>
-                          <a:ea typeface="맑은 고딕"/>
-                        </a:rPr>
-                        <a:t>(</a:t>
-                      </a:r>
-                      <a:r>
-                        <a:rPr lang="ko-KR" altLang="en-US" sz="700" b="0" i="0" kern="1200">
-                          <a:solidFill>
-                            <a:schemeClr val="tx1"/>
-                          </a:solidFill>
-                          <a:latin typeface="맑은 고딕"/>
-                          <a:ea typeface="맑은 고딕"/>
-                        </a:rPr>
-                        <a:t>미</a:t>
-                      </a:r>
-                      <a:r>
-                        <a:rPr lang="en-US" altLang="en-US" sz="700" b="0" i="0" kern="1200">
-                          <a:solidFill>
-                            <a:schemeClr val="tx1"/>
-                          </a:solidFill>
-                          <a:latin typeface="맑은 고딕"/>
-                          <a:ea typeface="맑은 고딕"/>
-                        </a:rPr>
-                        <a:t> </a:t>
-                      </a:r>
-                      <a:r>
-                        <a:rPr lang="ko-KR" altLang="en-US" sz="700" b="0" i="0" kern="1200">
-                          <a:solidFill>
-                            <a:schemeClr val="tx1"/>
-                          </a:solidFill>
-                          <a:latin typeface="맑은 고딕"/>
-                          <a:ea typeface="맑은 고딕"/>
-                        </a:rPr>
-                        <a:t>입력시</a:t>
-                      </a:r>
-                      <a:r>
-                        <a:rPr lang="en-US" altLang="en-US" sz="700" b="0" i="0" kern="1200">
-                          <a:solidFill>
-                            <a:schemeClr val="tx1"/>
-                          </a:solidFill>
-                          <a:latin typeface="맑은 고딕"/>
-                          <a:ea typeface="맑은 고딕"/>
-                        </a:rPr>
-                        <a:t> </a:t>
-                      </a:r>
-                      <a:r>
-                        <a:rPr lang="ko-KR" altLang="en-US" sz="700" b="0" i="0" kern="1200">
-                          <a:solidFill>
-                            <a:schemeClr val="tx1"/>
-                          </a:solidFill>
-                          <a:latin typeface="맑은 고딕"/>
-                          <a:ea typeface="맑은 고딕"/>
+                        <a:rPr lang="en-US" altLang="ko-KR" sz="700" b="0" i="0" kern="1200" dirty="0" smtClean="0">
+                          <a:solidFill>
+                            <a:schemeClr val="tx1"/>
+                          </a:solidFill>
+                          <a:latin typeface="+mn-lt"/>
+                          <a:ea typeface="+mn-ea"/>
+                        </a:rPr>
+                        <a:t>11</a:t>
+                      </a:r>
+                      <a:r>
+                        <a:rPr lang="ko-KR" altLang="en-US" sz="700" b="0" i="0" kern="1200" dirty="0" smtClean="0">
+                          <a:solidFill>
+                            <a:schemeClr val="tx1"/>
+                          </a:solidFill>
+                          <a:latin typeface="+mn-lt"/>
+                          <a:ea typeface="+mn-ea"/>
+                        </a:rPr>
+                        <a:t>자리 초과시 </a:t>
+                      </a:r>
+                      <a:r>
+                        <a:rPr lang="ko-KR" altLang="en-US" sz="700" b="0" i="0" kern="1200" dirty="0" err="1" smtClean="0">
+                          <a:solidFill>
+                            <a:schemeClr val="tx1"/>
+                          </a:solidFill>
+                          <a:latin typeface="+mn-lt"/>
+                          <a:ea typeface="+mn-ea"/>
                         </a:rPr>
                         <a:t>경고창</a:t>
                       </a:r>
                       <a:r>
-                        <a:rPr lang="en-US" altLang="en-US" sz="700" b="0" i="0" kern="1200">
-                          <a:solidFill>
-                            <a:schemeClr val="tx1"/>
-                          </a:solidFill>
-                          <a:latin typeface="맑은 고딕"/>
-                          <a:ea typeface="맑은 고딕"/>
-                        </a:rPr>
-                        <a:t> </a:t>
-                      </a:r>
-                      <a:r>
-                        <a:rPr lang="ko-KR" altLang="en-US" sz="700" b="0" i="0" kern="1200">
-                          <a:solidFill>
-                            <a:schemeClr val="tx1"/>
-                          </a:solidFill>
-                          <a:latin typeface="맑은 고딕"/>
-                          <a:ea typeface="맑은 고딕"/>
-                        </a:rPr>
-                        <a:t>출력</a:t>
-                      </a:r>
-                      <a:r>
-                        <a:rPr lang="en-US" altLang="ko-KR" sz="700" b="0" i="0" kern="1200">
-                          <a:solidFill>
-                            <a:schemeClr val="tx1"/>
-                          </a:solidFill>
-                          <a:latin typeface="맑은 고딕"/>
-                          <a:ea typeface="맑은 고딕"/>
-                        </a:rPr>
-                        <a:t>) </a:t>
-                      </a:r>
-                      <a:r>
-                        <a:rPr lang="ko-KR" altLang="en-US" sz="700" b="0" i="0" kern="1200">
-                          <a:solidFill>
-                            <a:schemeClr val="tx1"/>
-                          </a:solidFill>
-                          <a:latin typeface="맑은 고딕"/>
-                          <a:ea typeface="맑은 고딕"/>
-                        </a:rPr>
-                        <a:t>한</a:t>
-                      </a:r>
-                      <a:r>
-                        <a:rPr lang="en-US" altLang="en-US" sz="700" b="0" i="0" kern="1200">
-                          <a:solidFill>
-                            <a:schemeClr val="tx1"/>
-                          </a:solidFill>
-                          <a:latin typeface="맑은 고딕"/>
-                          <a:ea typeface="맑은 고딕"/>
-                        </a:rPr>
-                        <a:t> </a:t>
-                      </a:r>
-                      <a:r>
-                        <a:rPr lang="ko-KR" altLang="en-US" sz="700" b="0" i="0" kern="1200">
-                          <a:solidFill>
-                            <a:schemeClr val="tx1"/>
-                          </a:solidFill>
-                          <a:latin typeface="맑은 고딕"/>
-                          <a:ea typeface="맑은 고딕"/>
-                        </a:rPr>
-                        <a:t>텍스트에서</a:t>
-                      </a:r>
-                      <a:r>
-                        <a:rPr lang="en-US" altLang="en-US" sz="700" b="0" i="0" kern="1200">
-                          <a:solidFill>
-                            <a:schemeClr val="tx1"/>
-                          </a:solidFill>
-                          <a:latin typeface="맑은 고딕"/>
-                          <a:ea typeface="맑은 고딕"/>
-                        </a:rPr>
-                        <a:t> </a:t>
-                      </a:r>
-                      <a:r>
-                        <a:rPr lang="en-US" altLang="ko-KR" sz="700" b="0" i="0" kern="1200">
-                          <a:solidFill>
-                            <a:schemeClr val="tx1"/>
-                          </a:solidFill>
-                          <a:latin typeface="맑은 고딕"/>
-                          <a:ea typeface="맑은 고딕"/>
-                        </a:rPr>
-                        <a:t>3~4</a:t>
-                      </a:r>
-                      <a:r>
-                        <a:rPr lang="ko-KR" altLang="en-US" sz="700" b="0" i="0" kern="1200">
-                          <a:solidFill>
-                            <a:schemeClr val="tx1"/>
-                          </a:solidFill>
-                          <a:latin typeface="맑은 고딕"/>
-                          <a:ea typeface="맑은 고딕"/>
-                        </a:rPr>
-                        <a:t>자리</a:t>
-                      </a:r>
-                      <a:r>
-                        <a:rPr lang="en-US" altLang="en-US" sz="700" b="0" i="0" kern="1200">
-                          <a:solidFill>
-                            <a:schemeClr val="tx1"/>
-                          </a:solidFill>
-                          <a:latin typeface="맑은 고딕"/>
-                          <a:ea typeface="맑은 고딕"/>
-                        </a:rPr>
-                        <a:t> </a:t>
-                      </a:r>
-                      <a:r>
-                        <a:rPr lang="ko-KR" altLang="en-US" sz="700" b="0" i="0" kern="1200">
-                          <a:solidFill>
-                            <a:schemeClr val="tx1"/>
-                          </a:solidFill>
-                          <a:latin typeface="맑은 고딕"/>
-                          <a:ea typeface="맑은 고딕"/>
-                        </a:rPr>
-                        <a:t>미만</a:t>
-                      </a:r>
-                      <a:r>
-                        <a:rPr lang="en-US" altLang="ko-KR" sz="700" b="0" i="0" kern="1200">
-                          <a:solidFill>
-                            <a:schemeClr val="tx1"/>
-                          </a:solidFill>
-                          <a:latin typeface="맑은 고딕"/>
-                          <a:ea typeface="맑은 고딕"/>
-                        </a:rPr>
-                        <a:t>,</a:t>
-                      </a:r>
-                      <a:r>
-                        <a:rPr lang="ko-KR" altLang="en-US" sz="700" b="0" i="0" kern="1200">
-                          <a:solidFill>
-                            <a:schemeClr val="tx1"/>
-                          </a:solidFill>
-                          <a:latin typeface="맑은 고딕"/>
-                          <a:ea typeface="맑은 고딕"/>
-                        </a:rPr>
-                        <a:t>초과시</a:t>
-                      </a:r>
-                      <a:r>
-                        <a:rPr lang="en-US" altLang="en-US" sz="700" b="0" i="0" kern="1200">
-                          <a:solidFill>
-                            <a:schemeClr val="tx1"/>
-                          </a:solidFill>
-                          <a:latin typeface="맑은 고딕"/>
-                          <a:ea typeface="맑은 고딕"/>
-                        </a:rPr>
-                        <a:t> </a:t>
-                      </a:r>
-                      <a:r>
-                        <a:rPr lang="ko-KR" altLang="en-US" sz="700" b="0" i="0" kern="1200">
-                          <a:solidFill>
-                            <a:schemeClr val="tx1"/>
-                          </a:solidFill>
-                          <a:latin typeface="맑은 고딕"/>
-                          <a:ea typeface="맑은 고딕"/>
-                        </a:rPr>
-                        <a:t>경고창</a:t>
-                      </a:r>
-                      <a:r>
-                        <a:rPr lang="en-US" altLang="en-US" sz="700" b="0" i="0" kern="1200">
-                          <a:solidFill>
-                            <a:schemeClr val="tx1"/>
-                          </a:solidFill>
-                          <a:latin typeface="맑은 고딕"/>
-                          <a:ea typeface="맑은 고딕"/>
-                        </a:rPr>
-                        <a:t> </a:t>
-                      </a:r>
-                      <a:r>
-                        <a:rPr lang="ko-KR" altLang="en-US" sz="700" b="0" i="0" kern="1200">
-                          <a:solidFill>
-                            <a:schemeClr val="tx1"/>
-                          </a:solidFill>
-                          <a:latin typeface="맑은 고딕"/>
-                          <a:ea typeface="맑은 고딕"/>
-                        </a:rPr>
-                        <a:t>출력</a:t>
-                      </a:r>
-                      <a:endParaRPr sz="700" b="0" i="0" kern="1200">
+                        <a:rPr lang="ko-KR" altLang="en-US" sz="700" b="0" i="0" kern="1200" dirty="0" smtClean="0">
+                          <a:solidFill>
+                            <a:schemeClr val="tx1"/>
+                          </a:solidFill>
+                          <a:latin typeface="+mn-lt"/>
+                          <a:ea typeface="+mn-ea"/>
+                        </a:rPr>
+                        <a:t> 출력</a:t>
+                      </a:r>
+                      <a:endParaRPr lang="ko-KR" altLang="en-US" sz="700" b="0" i="0" kern="1200" dirty="0">
                         <a:solidFill>
                           <a:schemeClr val="tx1"/>
                         </a:solidFill>
-                        <a:latin typeface="맑은 고딕"/>
-                        <a:ea typeface="맑은 고딕"/>
+                        <a:latin typeface="+mn-lt"/>
+                        <a:ea typeface="+mn-ea"/>
                       </a:endParaRPr>
                     </a:p>
                   </a:txBody>
@@ -18919,274 +18399,149 @@
                         <a:tabLst/>
                       </a:pPr>
                       <a:r>
-                        <a:rPr lang="ko-KR" altLang="en-US" sz="700" b="0" i="0" kern="1200">
-                          <a:solidFill>
-                            <a:schemeClr val="tx1"/>
-                          </a:solidFill>
-                          <a:latin typeface="맑은 고딕"/>
-                          <a:ea typeface="맑은 고딕"/>
-                        </a:rPr>
-                        <a:t>휴대폰</a:t>
-                      </a:r>
-                      <a:r>
-                        <a:rPr lang="en-US" altLang="en-US" sz="700" b="0" i="0" kern="1200">
-                          <a:solidFill>
-                            <a:schemeClr val="tx1"/>
-                          </a:solidFill>
-                          <a:latin typeface="맑은 고딕"/>
-                          <a:ea typeface="맑은 고딕"/>
+                        <a:rPr lang="ko-KR" altLang="en-US" sz="700" b="0" i="0" kern="1200" dirty="0" smtClean="0">
+                          <a:solidFill>
+                            <a:schemeClr val="tx1"/>
+                          </a:solidFill>
+                          <a:latin typeface="+mn-lt"/>
+                          <a:ea typeface="+mn-ea"/>
+                        </a:rPr>
+                        <a:t>휴대전화 </a:t>
+                      </a:r>
+                      <a:r>
+                        <a:rPr lang="en-US" altLang="ko-KR" sz="700" b="0" i="0" kern="1200" dirty="0" smtClean="0">
+                          <a:solidFill>
+                            <a:schemeClr val="tx1"/>
+                          </a:solidFill>
+                          <a:latin typeface="+mn-lt"/>
+                          <a:ea typeface="+mn-ea"/>
+                        </a:rPr>
+                        <a:t>(</a:t>
+                      </a:r>
+                      <a:r>
+                        <a:rPr lang="ko-KR" altLang="en-US" sz="700" b="0" i="0" kern="1200" dirty="0" smtClean="0">
+                          <a:solidFill>
+                            <a:schemeClr val="tx1"/>
+                          </a:solidFill>
+                          <a:latin typeface="+mn-lt"/>
+                          <a:ea typeface="+mn-ea"/>
+                        </a:rPr>
+                        <a:t>미 </a:t>
+                      </a:r>
+                      <a:r>
+                        <a:rPr lang="ko-KR" altLang="en-US" sz="700" b="0" i="0" kern="1200" dirty="0" err="1" smtClean="0">
+                          <a:solidFill>
+                            <a:schemeClr val="tx1"/>
+                          </a:solidFill>
+                          <a:latin typeface="+mn-lt"/>
+                          <a:ea typeface="+mn-ea"/>
+                        </a:rPr>
+                        <a:t>입력시</a:t>
+                      </a:r>
+                      <a:r>
+                        <a:rPr lang="ko-KR" altLang="en-US" sz="700" b="0" i="0" kern="1200" dirty="0" smtClean="0">
+                          <a:solidFill>
+                            <a:schemeClr val="tx1"/>
+                          </a:solidFill>
+                          <a:latin typeface="+mn-lt"/>
+                          <a:ea typeface="+mn-ea"/>
                         </a:rPr>
                         <a:t> </a:t>
                       </a:r>
                       <a:r>
-                        <a:rPr lang="ko-KR" altLang="en-US" sz="700" b="0" i="0" kern="1200">
-                          <a:solidFill>
-                            <a:schemeClr val="tx1"/>
-                          </a:solidFill>
-                          <a:latin typeface="맑은 고딕"/>
-                          <a:ea typeface="맑은 고딕"/>
-                        </a:rPr>
-                        <a:t>번호</a:t>
-                      </a:r>
-                      <a:r>
-                        <a:rPr lang="en-US" altLang="en-US" sz="700" b="0" i="0" kern="1200">
-                          <a:solidFill>
-                            <a:schemeClr val="tx1"/>
-                          </a:solidFill>
-                          <a:latin typeface="맑은 고딕"/>
-                          <a:ea typeface="맑은 고딕"/>
-                        </a:rPr>
-                        <a:t> </a:t>
-                      </a:r>
-                      <a:r>
-                        <a:rPr lang="en-US" altLang="ko-KR" sz="700" b="0" i="0" kern="1200">
-                          <a:solidFill>
-                            <a:schemeClr val="tx1"/>
-                          </a:solidFill>
-                          <a:latin typeface="맑은 고딕"/>
-                          <a:ea typeface="맑은 고딕"/>
-                        </a:rPr>
-                        <a:t>(</a:t>
-                      </a:r>
-                      <a:r>
-                        <a:rPr lang="ko-KR" altLang="en-US" sz="700" b="0" i="0" kern="1200">
-                          <a:solidFill>
-                            <a:schemeClr val="tx1"/>
-                          </a:solidFill>
-                          <a:latin typeface="맑은 고딕"/>
-                          <a:ea typeface="맑은 고딕"/>
-                        </a:rPr>
-                        <a:t>미</a:t>
-                      </a:r>
-                      <a:r>
-                        <a:rPr lang="en-US" altLang="en-US" sz="700" b="0" i="0" kern="1200">
-                          <a:solidFill>
-                            <a:schemeClr val="tx1"/>
-                          </a:solidFill>
-                          <a:latin typeface="맑은 고딕"/>
-                          <a:ea typeface="맑은 고딕"/>
-                        </a:rPr>
-                        <a:t> </a:t>
-                      </a:r>
-                      <a:r>
-                        <a:rPr lang="ko-KR" altLang="en-US" sz="700" b="0" i="0" kern="1200">
-                          <a:solidFill>
-                            <a:schemeClr val="tx1"/>
-                          </a:solidFill>
-                          <a:latin typeface="맑은 고딕"/>
-                          <a:ea typeface="맑은 고딕"/>
-                        </a:rPr>
-                        <a:t>입력시</a:t>
-                      </a:r>
-                      <a:r>
-                        <a:rPr lang="en-US" altLang="en-US" sz="700" b="0" i="0" kern="1200">
-                          <a:solidFill>
-                            <a:schemeClr val="tx1"/>
-                          </a:solidFill>
-                          <a:latin typeface="맑은 고딕"/>
-                          <a:ea typeface="맑은 고딕"/>
-                        </a:rPr>
-                        <a:t> </a:t>
-                      </a:r>
-                      <a:r>
-                        <a:rPr lang="ko-KR" altLang="en-US" sz="700" b="0" i="0" kern="1200">
-                          <a:solidFill>
-                            <a:schemeClr val="tx1"/>
-                          </a:solidFill>
-                          <a:latin typeface="맑은 고딕"/>
-                          <a:ea typeface="맑은 고딕"/>
+                        <a:rPr lang="ko-KR" altLang="en-US" sz="700" b="0" i="0" kern="1200" dirty="0" err="1" smtClean="0">
+                          <a:solidFill>
+                            <a:schemeClr val="tx1"/>
+                          </a:solidFill>
+                          <a:latin typeface="+mn-lt"/>
+                          <a:ea typeface="+mn-ea"/>
                         </a:rPr>
                         <a:t>경고창</a:t>
                       </a:r>
                       <a:r>
-                        <a:rPr lang="en-US" altLang="en-US" sz="700" b="0" i="0" kern="1200">
-                          <a:solidFill>
-                            <a:schemeClr val="tx1"/>
-                          </a:solidFill>
-                          <a:latin typeface="맑은 고딕"/>
-                          <a:ea typeface="맑은 고딕"/>
-                        </a:rPr>
-                        <a:t> </a:t>
-                      </a:r>
-                      <a:r>
-                        <a:rPr lang="ko-KR" altLang="en-US" sz="700" b="0" i="0" kern="1200">
-                          <a:solidFill>
-                            <a:schemeClr val="tx1"/>
-                          </a:solidFill>
-                          <a:latin typeface="맑은 고딕"/>
-                          <a:ea typeface="맑은 고딕"/>
-                        </a:rPr>
-                        <a:t>출력</a:t>
-                      </a:r>
-                      <a:r>
-                        <a:rPr lang="en-US" altLang="ko-KR" sz="700" b="0" i="0" kern="1200">
-                          <a:solidFill>
-                            <a:schemeClr val="tx1"/>
-                          </a:solidFill>
-                          <a:latin typeface="맑은 고딕"/>
-                          <a:ea typeface="맑은 고딕"/>
-                        </a:rPr>
-                        <a:t>) </a:t>
-                      </a:r>
-                      <a:r>
-                        <a:rPr lang="ko-KR" altLang="en-US" sz="700" b="0" i="0" kern="1200">
-                          <a:solidFill>
-                            <a:schemeClr val="tx1"/>
-                          </a:solidFill>
-                          <a:latin typeface="맑은 고딕"/>
-                          <a:ea typeface="맑은 고딕"/>
-                        </a:rPr>
-                        <a:t>한</a:t>
-                      </a:r>
-                      <a:r>
-                        <a:rPr lang="en-US" altLang="en-US" sz="700" b="0" i="0" kern="1200">
-                          <a:solidFill>
-                            <a:schemeClr val="tx1"/>
-                          </a:solidFill>
-                          <a:latin typeface="맑은 고딕"/>
-                          <a:ea typeface="맑은 고딕"/>
-                        </a:rPr>
-                        <a:t> </a:t>
-                      </a:r>
-                      <a:r>
-                        <a:rPr lang="ko-KR" altLang="en-US" sz="700" b="0" i="0" kern="1200">
-                          <a:solidFill>
-                            <a:schemeClr val="tx1"/>
-                          </a:solidFill>
-                          <a:latin typeface="맑은 고딕"/>
-                          <a:ea typeface="맑은 고딕"/>
-                        </a:rPr>
-                        <a:t>텍스트에서</a:t>
-                      </a:r>
-                      <a:r>
-                        <a:rPr lang="en-US" altLang="en-US" sz="700" b="0" i="0" kern="1200">
-                          <a:solidFill>
-                            <a:schemeClr val="tx1"/>
-                          </a:solidFill>
-                          <a:latin typeface="맑은 고딕"/>
-                          <a:ea typeface="맑은 고딕"/>
-                        </a:rPr>
-                        <a:t> </a:t>
-                      </a:r>
-                      <a:r>
-                        <a:rPr lang="en-US" altLang="ko-KR" sz="700" b="0" i="0" kern="1200">
-                          <a:solidFill>
-                            <a:schemeClr val="tx1"/>
-                          </a:solidFill>
-                          <a:latin typeface="맑은 고딕"/>
-                          <a:ea typeface="맑은 고딕"/>
-                        </a:rPr>
-                        <a:t>3~4</a:t>
-                      </a:r>
-                      <a:r>
-                        <a:rPr lang="ko-KR" altLang="en-US" sz="700" b="0" i="0" kern="1200">
-                          <a:solidFill>
-                            <a:schemeClr val="tx1"/>
-                          </a:solidFill>
-                          <a:latin typeface="맑은 고딕"/>
-                          <a:ea typeface="맑은 고딕"/>
-                        </a:rPr>
-                        <a:t>자리</a:t>
-                      </a:r>
-                      <a:r>
-                        <a:rPr lang="en-US" altLang="en-US" sz="700" b="0" i="0" kern="1200">
-                          <a:solidFill>
-                            <a:schemeClr val="tx1"/>
-                          </a:solidFill>
-                          <a:latin typeface="맑은 고딕"/>
-                          <a:ea typeface="맑은 고딕"/>
-                        </a:rPr>
-                        <a:t> </a:t>
-                      </a:r>
-                      <a:r>
-                        <a:rPr lang="ko-KR" altLang="en-US" sz="700" b="0" i="0" kern="1200">
-                          <a:solidFill>
-                            <a:schemeClr val="tx1"/>
-                          </a:solidFill>
-                          <a:latin typeface="맑은 고딕"/>
-                          <a:ea typeface="맑은 고딕"/>
-                        </a:rPr>
-                        <a:t>미만</a:t>
-                      </a:r>
-                      <a:r>
-                        <a:rPr lang="en-US" altLang="ko-KR" sz="700" b="0" i="0" kern="1200">
-                          <a:solidFill>
-                            <a:schemeClr val="tx1"/>
-                          </a:solidFill>
-                          <a:latin typeface="맑은 고딕"/>
-                          <a:ea typeface="맑은 고딕"/>
-                        </a:rPr>
-                        <a:t>,</a:t>
-                      </a:r>
-                      <a:r>
-                        <a:rPr lang="ko-KR" altLang="en-US" sz="700" b="0" i="0" kern="1200">
-                          <a:solidFill>
-                            <a:schemeClr val="tx1"/>
-                          </a:solidFill>
-                          <a:latin typeface="맑은 고딕"/>
-                          <a:ea typeface="맑은 고딕"/>
-                        </a:rPr>
-                        <a:t>초과시</a:t>
-                      </a:r>
-                      <a:r>
-                        <a:rPr lang="en-US" altLang="en-US" sz="700" b="0" i="0" kern="1200">
-                          <a:solidFill>
-                            <a:schemeClr val="tx1"/>
-                          </a:solidFill>
-                          <a:latin typeface="맑은 고딕"/>
-                          <a:ea typeface="맑은 고딕"/>
-                        </a:rPr>
-                        <a:t> </a:t>
-                      </a:r>
-                      <a:r>
-                        <a:rPr lang="ko-KR" altLang="en-US" sz="700" b="0" i="0" kern="1200">
-                          <a:solidFill>
-                            <a:schemeClr val="tx1"/>
-                          </a:solidFill>
-                          <a:latin typeface="맑은 고딕"/>
-                          <a:ea typeface="맑은 고딕"/>
+                        <a:rPr lang="ko-KR" altLang="en-US" sz="700" b="0" i="0" kern="1200" dirty="0" smtClean="0">
+                          <a:solidFill>
+                            <a:schemeClr val="tx1"/>
+                          </a:solidFill>
+                          <a:latin typeface="+mn-lt"/>
+                          <a:ea typeface="+mn-ea"/>
+                        </a:rPr>
+                        <a:t> 출력</a:t>
+                      </a:r>
+                      <a:r>
+                        <a:rPr lang="en-US" altLang="ko-KR" sz="700" b="0" i="0" kern="1200" dirty="0" smtClean="0">
+                          <a:solidFill>
+                            <a:schemeClr val="tx1"/>
+                          </a:solidFill>
+                          <a:latin typeface="+mn-lt"/>
+                          <a:ea typeface="+mn-ea"/>
+                        </a:rPr>
+                        <a:t>)</a:t>
+                      </a:r>
+                    </a:p>
+                    <a:p>
+                      <a:pPr marL="0" indent="0" algn="l" defTabSz="914400" latinLnBrk="1">
+                        <a:lnSpc>
+                          <a:spcPct val="100000"/>
+                        </a:lnSpc>
+                        <a:spcBef>
+                          <a:spcPts val="0"/>
+                        </a:spcBef>
+                        <a:spcAft>
+                          <a:spcPts val="0"/>
+                        </a:spcAft>
+                        <a:buNone/>
+                        <a:tabLst/>
+                      </a:pPr>
+                      <a:r>
+                        <a:rPr lang="ko-KR" altLang="en-US" sz="700" b="0" i="0" kern="1200" dirty="0" smtClean="0">
+                          <a:solidFill>
+                            <a:schemeClr val="tx1"/>
+                          </a:solidFill>
+                          <a:latin typeface="+mn-lt"/>
+                          <a:ea typeface="+mn-ea"/>
+                        </a:rPr>
+                        <a:t>휴대전화 작성시 </a:t>
+                      </a:r>
+                      <a:r>
+                        <a:rPr lang="en-US" altLang="ko-KR" sz="700" b="0" i="0" kern="1200" dirty="0" smtClean="0">
+                          <a:solidFill>
+                            <a:schemeClr val="tx1"/>
+                          </a:solidFill>
+                          <a:latin typeface="+mn-lt"/>
+                          <a:ea typeface="+mn-ea"/>
+                        </a:rPr>
+                        <a:t>11</a:t>
+                      </a:r>
+                      <a:r>
+                        <a:rPr lang="ko-KR" altLang="en-US" sz="700" b="0" i="0" kern="1200" dirty="0" smtClean="0">
+                          <a:solidFill>
+                            <a:schemeClr val="tx1"/>
+                          </a:solidFill>
+                          <a:latin typeface="+mn-lt"/>
+                          <a:ea typeface="+mn-ea"/>
+                        </a:rPr>
+                        <a:t>자리 초과시 </a:t>
+                      </a:r>
+                      <a:r>
+                        <a:rPr lang="ko-KR" altLang="en-US" sz="700" b="0" i="0" kern="1200" dirty="0" err="1" smtClean="0">
+                          <a:solidFill>
+                            <a:schemeClr val="tx1"/>
+                          </a:solidFill>
+                          <a:latin typeface="+mn-lt"/>
+                          <a:ea typeface="+mn-ea"/>
                         </a:rPr>
                         <a:t>경고창</a:t>
                       </a:r>
                       <a:r>
-                        <a:rPr lang="en-US" altLang="en-US" sz="700" b="0" i="0" kern="1200">
-                          <a:solidFill>
-                            <a:schemeClr val="tx1"/>
-                          </a:solidFill>
-                          <a:latin typeface="맑은 고딕"/>
-                          <a:ea typeface="맑은 고딕"/>
-                        </a:rPr>
-                        <a:t> </a:t>
-                      </a:r>
-                      <a:r>
-                        <a:rPr lang="ko-KR" altLang="en-US" sz="700" b="0" i="0" kern="1200">
-                          <a:solidFill>
-                            <a:schemeClr val="tx1"/>
-                          </a:solidFill>
-                          <a:latin typeface="맑은 고딕"/>
-                          <a:ea typeface="맑은 고딕"/>
-                        </a:rPr>
-                        <a:t>출력</a:t>
+                        <a:rPr lang="ko-KR" altLang="en-US" sz="700" b="0" i="0" kern="1200" dirty="0" smtClean="0">
+                          <a:solidFill>
+                            <a:schemeClr val="tx1"/>
+                          </a:solidFill>
+                          <a:latin typeface="+mn-lt"/>
+                          <a:ea typeface="+mn-ea"/>
+                        </a:rPr>
+                        <a:t> 출력</a:t>
                       </a:r>
                     </a:p>
                     <a:p>
@@ -19449,394 +18804,45 @@
                         <a:buNone/>
                       </a:pPr>
                       <a:r>
-                        <a:rPr lang="ko-KR" altLang="en-US" sz="700" b="0" i="0" kern="1200">
-                          <a:solidFill>
-                            <a:schemeClr val="tx1"/>
-                          </a:solidFill>
-                          <a:latin typeface="맑은 고딕"/>
-                          <a:ea typeface="맑은 고딕"/>
-                        </a:rPr>
-                        <a:t>회원가입</a:t>
-                      </a:r>
-                      <a:r>
-                        <a:rPr lang="en-US" altLang="en-US" sz="700" b="0" i="0" kern="1200">
-                          <a:solidFill>
-                            <a:schemeClr val="tx1"/>
-                          </a:solidFill>
-                          <a:latin typeface="맑은 고딕"/>
-                          <a:ea typeface="맑은 고딕"/>
-                        </a:rPr>
-                        <a:t> </a:t>
-                      </a:r>
-                      <a:r>
-                        <a:rPr lang="ko-KR" altLang="en-US" sz="700" b="0" i="0" kern="1200">
-                          <a:solidFill>
-                            <a:schemeClr val="tx1"/>
-                          </a:solidFill>
-                          <a:latin typeface="맑은 고딕"/>
-                          <a:ea typeface="맑은 고딕"/>
-                        </a:rPr>
-                        <a:t>완료</a:t>
-                      </a:r>
-                      <a:r>
-                        <a:rPr lang="en-US" altLang="ko-KR" sz="700" b="0" i="0" kern="1200">
-                          <a:solidFill>
-                            <a:schemeClr val="tx1"/>
-                          </a:solidFill>
-                          <a:latin typeface="맑은 고딕"/>
-                          <a:ea typeface="맑은 고딕"/>
-                        </a:rPr>
-                        <a:t>(</a:t>
-                      </a:r>
-                      <a:r>
-                        <a:rPr lang="ko-KR" altLang="en-US" sz="700" b="0" i="0" kern="1200">
-                          <a:solidFill>
-                            <a:schemeClr val="tx1"/>
-                          </a:solidFill>
-                          <a:latin typeface="맑은 고딕"/>
-                          <a:ea typeface="맑은 고딕"/>
-                        </a:rPr>
-                        <a:t>약관</a:t>
-                      </a:r>
-                      <a:r>
-                        <a:rPr lang="en-US" altLang="ko-KR" sz="700" b="0" i="0" kern="1200">
-                          <a:solidFill>
-                            <a:schemeClr val="tx1"/>
-                          </a:solidFill>
-                          <a:latin typeface="맑은 고딕"/>
-                          <a:ea typeface="맑은 고딕"/>
-                        </a:rPr>
-                        <a:t>,</a:t>
-                      </a:r>
-                      <a:r>
-                        <a:rPr lang="ko-KR" altLang="en-US" sz="700" b="0" i="0" kern="1200">
-                          <a:solidFill>
-                            <a:schemeClr val="tx1"/>
-                          </a:solidFill>
-                          <a:latin typeface="맑은 고딕"/>
-                          <a:ea typeface="맑은 고딕"/>
-                        </a:rPr>
-                        <a:t>개인정보정책</a:t>
-                      </a:r>
-                      <a:r>
-                        <a:rPr lang="en-US" altLang="en-US" sz="700" b="0" i="0" kern="1200">
-                          <a:solidFill>
-                            <a:schemeClr val="tx1"/>
-                          </a:solidFill>
-                          <a:latin typeface="맑은 고딕"/>
-                          <a:ea typeface="맑은 고딕"/>
-                        </a:rPr>
-                        <a:t> </a:t>
-                      </a:r>
-                      <a:r>
-                        <a:rPr lang="ko-KR" altLang="en-US" sz="700" b="0" i="0" kern="1200">
-                          <a:solidFill>
-                            <a:schemeClr val="tx1"/>
-                          </a:solidFill>
-                          <a:latin typeface="맑은 고딕"/>
-                          <a:ea typeface="맑은 고딕"/>
-                        </a:rPr>
-                        <a:t>동의</a:t>
-                      </a:r>
-                      <a:r>
-                        <a:rPr lang="en-US" altLang="en-US" sz="700" b="0" i="0" kern="1200">
-                          <a:solidFill>
-                            <a:schemeClr val="tx1"/>
-                          </a:solidFill>
-                          <a:latin typeface="맑은 고딕"/>
-                          <a:ea typeface="맑은 고딕"/>
-                        </a:rPr>
-                        <a:t> </a:t>
-                      </a:r>
-                      <a:r>
-                        <a:rPr lang="ko-KR" altLang="en-US" sz="700" b="0" i="0" kern="1200">
-                          <a:solidFill>
-                            <a:schemeClr val="tx1"/>
-                          </a:solidFill>
-                          <a:latin typeface="맑은 고딕"/>
-                          <a:ea typeface="맑은 고딕"/>
-                        </a:rPr>
-                        <a:t>중</a:t>
-                      </a:r>
-                      <a:r>
-                        <a:rPr lang="en-US" altLang="en-US" sz="700" b="0" i="0" kern="1200">
-                          <a:solidFill>
-                            <a:schemeClr val="tx1"/>
-                          </a:solidFill>
-                          <a:latin typeface="맑은 고딕"/>
-                          <a:ea typeface="맑은 고딕"/>
-                        </a:rPr>
-                        <a:t> </a:t>
-                      </a:r>
-                      <a:r>
-                        <a:rPr lang="ko-KR" altLang="en-US" sz="700" b="0" i="0" kern="1200">
-                          <a:solidFill>
-                            <a:schemeClr val="tx1"/>
-                          </a:solidFill>
-                          <a:latin typeface="맑은 고딕"/>
-                          <a:ea typeface="맑은 고딕"/>
-                        </a:rPr>
-                        <a:t>하나라도</a:t>
-                      </a:r>
-                      <a:r>
-                        <a:rPr lang="en-US" altLang="en-US" sz="700" b="0" i="0" kern="1200">
-                          <a:solidFill>
-                            <a:schemeClr val="tx1"/>
-                          </a:solidFill>
-                          <a:latin typeface="맑은 고딕"/>
-                          <a:ea typeface="맑은 고딕"/>
-                        </a:rPr>
-                        <a:t> </a:t>
-                      </a:r>
-                      <a:r>
-                        <a:rPr lang="ko-KR" altLang="en-US" sz="700" b="0" i="0" kern="1200">
-                          <a:solidFill>
-                            <a:schemeClr val="tx1"/>
-                          </a:solidFill>
-                          <a:latin typeface="맑은 고딕"/>
-                          <a:ea typeface="맑은 고딕"/>
-                        </a:rPr>
-                        <a:t>미체크시</a:t>
-                      </a:r>
-                      <a:r>
-                        <a:rPr lang="en-US" altLang="ko-KR" sz="700" b="0" i="0" kern="1200">
-                          <a:solidFill>
-                            <a:schemeClr val="tx1"/>
-                          </a:solidFill>
-                          <a:latin typeface="맑은 고딕"/>
-                          <a:ea typeface="맑은 고딕"/>
-                        </a:rPr>
-                        <a:t>,</a:t>
-                      </a:r>
-                      <a:r>
-                        <a:rPr lang="ko-KR" altLang="en-US" sz="700" b="0" i="0" kern="1200">
-                          <a:solidFill>
-                            <a:schemeClr val="tx1"/>
-                          </a:solidFill>
-                          <a:latin typeface="맑은 고딕"/>
-                          <a:ea typeface="맑은 고딕"/>
-                        </a:rPr>
-                        <a:t>생년월일</a:t>
-                      </a:r>
-                      <a:r>
-                        <a:rPr lang="en-US" altLang="ko-KR" sz="700" b="0" i="0" kern="1200">
-                          <a:solidFill>
-                            <a:schemeClr val="tx1"/>
-                          </a:solidFill>
-                          <a:latin typeface="맑은 고딕"/>
-                          <a:ea typeface="맑은 고딕"/>
-                        </a:rPr>
-                        <a:t>,</a:t>
-                      </a:r>
-                      <a:r>
-                        <a:rPr lang="ko-KR" altLang="en-US" sz="700" b="0" i="0" kern="1200">
-                          <a:solidFill>
-                            <a:schemeClr val="tx1"/>
-                          </a:solidFill>
-                          <a:latin typeface="맑은 고딕"/>
-                          <a:ea typeface="맑은 고딕"/>
-                        </a:rPr>
-                        <a:t>우편번호</a:t>
-                      </a:r>
-                      <a:r>
-                        <a:rPr lang="en-US" altLang="ko-KR" sz="700" b="0" i="0" kern="1200">
-                          <a:solidFill>
-                            <a:schemeClr val="tx1"/>
-                          </a:solidFill>
-                          <a:latin typeface="맑은 고딕"/>
-                          <a:ea typeface="맑은 고딕"/>
-                        </a:rPr>
-                        <a:t>,(</a:t>
-                      </a:r>
-                      <a:r>
-                        <a:rPr lang="ko-KR" altLang="en-US" sz="700" b="0" i="0" kern="1200">
-                          <a:solidFill>
-                            <a:schemeClr val="tx1"/>
-                          </a:solidFill>
-                          <a:latin typeface="맑은 고딕"/>
-                          <a:ea typeface="맑은 고딕"/>
-                        </a:rPr>
-                        <a:t>집</a:t>
-                      </a:r>
-                      <a:r>
-                        <a:rPr lang="en-US" altLang="ko-KR" sz="700" b="0" i="0" kern="1200">
-                          <a:solidFill>
-                            <a:schemeClr val="tx1"/>
-                          </a:solidFill>
-                          <a:latin typeface="맑은 고딕"/>
-                          <a:ea typeface="맑은 고딕"/>
-                        </a:rPr>
-                        <a:t>,</a:t>
-                      </a:r>
-                      <a:r>
-                        <a:rPr lang="ko-KR" altLang="en-US" sz="700" b="0" i="0" kern="1200">
-                          <a:solidFill>
-                            <a:schemeClr val="tx1"/>
-                          </a:solidFill>
-                          <a:latin typeface="맑은 고딕"/>
-                          <a:ea typeface="맑은 고딕"/>
-                        </a:rPr>
-                        <a:t>폰</a:t>
-                      </a:r>
-                      <a:r>
-                        <a:rPr lang="en-US" altLang="ko-KR" sz="700" b="0" i="0" kern="1200">
-                          <a:solidFill>
-                            <a:schemeClr val="tx1"/>
-                          </a:solidFill>
-                          <a:latin typeface="맑은 고딕"/>
-                          <a:ea typeface="맑은 고딕"/>
-                        </a:rPr>
-                        <a:t>)</a:t>
-                      </a:r>
-                      <a:r>
-                        <a:rPr lang="ko-KR" altLang="en-US" sz="700" b="0" i="0" kern="1200">
-                          <a:solidFill>
-                            <a:schemeClr val="tx1"/>
-                          </a:solidFill>
-                          <a:latin typeface="맑은 고딕"/>
-                          <a:ea typeface="맑은 고딕"/>
-                        </a:rPr>
-                        <a:t>전화번호미입력시</a:t>
-                      </a:r>
-                      <a:r>
-                        <a:rPr lang="en-US" altLang="en-US" sz="700" b="0" i="0" kern="1200">
-                          <a:solidFill>
-                            <a:schemeClr val="tx1"/>
-                          </a:solidFill>
-                          <a:latin typeface="맑은 고딕"/>
-                          <a:ea typeface="맑은 고딕"/>
-                        </a:rPr>
-                        <a:t> </a:t>
-                      </a:r>
-                      <a:r>
-                        <a:rPr lang="ko-KR" altLang="en-US" sz="700" b="0" i="0" kern="1200">
-                          <a:solidFill>
-                            <a:schemeClr val="tx1"/>
-                          </a:solidFill>
-                          <a:latin typeface="맑은 고딕"/>
-                          <a:ea typeface="맑은 고딕"/>
-                        </a:rPr>
-                        <a:t>경고창</a:t>
-                      </a:r>
-                      <a:r>
-                        <a:rPr lang="en-US" altLang="en-US" sz="700" b="0" i="0" kern="1200">
-                          <a:solidFill>
-                            <a:schemeClr val="tx1"/>
-                          </a:solidFill>
-                          <a:latin typeface="맑은 고딕"/>
-                          <a:ea typeface="맑은 고딕"/>
-                        </a:rPr>
-                        <a:t> </a:t>
-                      </a:r>
-                      <a:r>
-                        <a:rPr lang="ko-KR" altLang="en-US" sz="700" b="0" i="0" kern="1200">
-                          <a:solidFill>
-                            <a:schemeClr val="tx1"/>
-                          </a:solidFill>
-                          <a:latin typeface="맑은 고딕"/>
-                          <a:ea typeface="맑은 고딕"/>
-                        </a:rPr>
-                        <a:t>출력</a:t>
-                      </a:r>
-                      <a:r>
-                        <a:rPr lang="en-US" altLang="ko-KR" sz="700" b="0" i="0" kern="1200">
-                          <a:solidFill>
-                            <a:schemeClr val="tx1"/>
-                          </a:solidFill>
-                          <a:latin typeface="맑은 고딕"/>
-                          <a:ea typeface="맑은 고딕"/>
-                        </a:rPr>
-                        <a:t>),</a:t>
-                      </a:r>
-                      <a:r>
-                        <a:rPr lang="ko-KR" altLang="en-US" sz="700" b="0" i="0" kern="1200">
-                          <a:solidFill>
-                            <a:schemeClr val="tx1"/>
-                          </a:solidFill>
-                          <a:latin typeface="맑은 고딕"/>
-                          <a:ea typeface="맑은 고딕"/>
-                        </a:rPr>
-                        <a:t>완료</a:t>
-                      </a:r>
-                      <a:r>
-                        <a:rPr lang="en-US" altLang="en-US" sz="700" b="0" i="0" kern="1200">
-                          <a:solidFill>
-                            <a:schemeClr val="tx1"/>
-                          </a:solidFill>
-                          <a:latin typeface="맑은 고딕"/>
-                          <a:ea typeface="맑은 고딕"/>
-                        </a:rPr>
-                        <a:t> </a:t>
-                      </a:r>
-                      <a:r>
-                        <a:rPr lang="ko-KR" altLang="en-US" sz="700" b="0" i="0" kern="1200">
-                          <a:solidFill>
-                            <a:schemeClr val="tx1"/>
-                          </a:solidFill>
-                          <a:latin typeface="맑은 고딕"/>
-                          <a:ea typeface="맑은 고딕"/>
-                        </a:rPr>
-                        <a:t>메시지</a:t>
-                      </a:r>
-                      <a:r>
-                        <a:rPr lang="en-US" altLang="en-US" sz="700" b="0" i="0" kern="1200">
-                          <a:solidFill>
-                            <a:schemeClr val="tx1"/>
-                          </a:solidFill>
-                          <a:latin typeface="맑은 고딕"/>
-                          <a:ea typeface="맑은 고딕"/>
-                        </a:rPr>
-                        <a:t> </a:t>
-                      </a:r>
-                      <a:r>
-                        <a:rPr lang="ko-KR" altLang="en-US" sz="700" b="0" i="0" kern="1200">
-                          <a:solidFill>
-                            <a:schemeClr val="tx1"/>
-                          </a:solidFill>
-                          <a:latin typeface="맑은 고딕"/>
-                          <a:ea typeface="맑은 고딕"/>
-                        </a:rPr>
-                        <a:t>후</a:t>
-                      </a:r>
-                      <a:r>
-                        <a:rPr lang="en-US" altLang="en-US" sz="700" b="0" i="0" kern="1200">
-                          <a:solidFill>
-                            <a:schemeClr val="tx1"/>
-                          </a:solidFill>
-                          <a:latin typeface="맑은 고딕"/>
-                          <a:ea typeface="맑은 고딕"/>
-                        </a:rPr>
-                        <a:t> </a:t>
-                      </a:r>
-                      <a:r>
-                        <a:rPr lang="ko-KR" altLang="en-US" sz="700" b="0" i="0" kern="1200">
-                          <a:solidFill>
-                            <a:schemeClr val="tx1"/>
-                          </a:solidFill>
-                          <a:latin typeface="맑은 고딕"/>
-                          <a:ea typeface="맑은 고딕"/>
-                        </a:rPr>
-                        <a:t>홈페이지로</a:t>
-                      </a:r>
-                      <a:r>
-                        <a:rPr lang="en-US" altLang="en-US" sz="700" b="0" i="0" kern="1200">
-                          <a:solidFill>
-                            <a:schemeClr val="tx1"/>
-                          </a:solidFill>
-                          <a:latin typeface="맑은 고딕"/>
-                          <a:ea typeface="맑은 고딕"/>
-                        </a:rPr>
-                        <a:t> </a:t>
-                      </a:r>
-                      <a:r>
-                        <a:rPr lang="ko-KR" altLang="en-US" sz="700" b="0" i="0" kern="1200">
-                          <a:solidFill>
-                            <a:schemeClr val="tx1"/>
-                          </a:solidFill>
-                          <a:latin typeface="맑은 고딕"/>
-                          <a:ea typeface="맑은 고딕"/>
-                        </a:rPr>
-                        <a:t>이동</a:t>
+                        <a:rPr lang="ko-KR" altLang="en-US" sz="700" b="0" i="0" kern="1200" dirty="0" smtClean="0">
+                          <a:solidFill>
+                            <a:schemeClr val="tx1"/>
+                          </a:solidFill>
+                          <a:latin typeface="+mn-lt"/>
+                          <a:ea typeface="+mn-ea"/>
+                        </a:rPr>
+                        <a:t>회원정보 변경 완료</a:t>
+                      </a:r>
+                      <a:endParaRPr lang="en-US" altLang="ko-KR" sz="700" b="0" i="0" kern="1200" dirty="0" smtClean="0">
+                        <a:solidFill>
+                          <a:schemeClr val="tx1"/>
+                        </a:solidFill>
+                        <a:latin typeface="+mn-lt"/>
+                        <a:ea typeface="+mn-ea"/>
+                      </a:endParaRPr>
+                    </a:p>
+                    <a:p>
+                      <a:pPr marL="0" indent="0" algn="l" defTabSz="914400" latinLnBrk="1">
+                        <a:lnSpc>
+                          <a:spcPct val="100000"/>
+                        </a:lnSpc>
+                        <a:spcBef>
+                          <a:spcPts val="0"/>
+                        </a:spcBef>
+                        <a:spcAft>
+                          <a:spcPts val="0"/>
+                        </a:spcAft>
+                        <a:buNone/>
+                      </a:pPr>
+                      <a:r>
+                        <a:rPr lang="ko-KR" altLang="en-US" sz="700" b="0" i="0" kern="1200" dirty="0" smtClean="0">
+                          <a:solidFill>
+                            <a:schemeClr val="tx1"/>
+                          </a:solidFill>
+                          <a:latin typeface="+mn-lt"/>
+                          <a:ea typeface="+mn-ea"/>
+                        </a:rPr>
+                        <a:t>홈페이지로 이동</a:t>
                       </a:r>
                       <a:endParaRPr sz="700" b="0" i="0" kern="1200">
                         <a:solidFill>
@@ -20076,17 +19082,17 @@
                         <a:tabLst/>
                       </a:pPr>
                       <a:r>
-                        <a:rPr lang="ko-KR" altLang="en-US" sz="800" b="0" i="0" kern="1200">
-                          <a:solidFill>
-                            <a:schemeClr val="tx1"/>
-                          </a:solidFill>
-                          <a:latin typeface="맑은 고딕"/>
-                          <a:ea typeface="맑은 고딕"/>
-                        </a:rPr>
-                        <a:t>회원가입</a:t>
-                      </a:r>
-                      <a:r>
-                        <a:rPr lang="en-US" altLang="en-US" sz="800" b="0" i="0" kern="1200">
+                        <a:rPr lang="ko-KR" altLang="en-US" sz="800" b="0" i="0" kern="1200" dirty="0" smtClean="0">
+                          <a:solidFill>
+                            <a:schemeClr val="tx1"/>
+                          </a:solidFill>
+                          <a:latin typeface="맑은 고딕"/>
+                          <a:ea typeface="맑은 고딕"/>
+                        </a:rPr>
+                        <a:t>회원정보 변경</a:t>
+                      </a:r>
+                      <a:r>
+                        <a:rPr lang="en-US" altLang="en-US" sz="800" b="0" i="0" kern="1200" dirty="0" smtClean="0">
                           <a:solidFill>
                             <a:schemeClr val="tx1"/>
                           </a:solidFill>
@@ -20096,7 +19102,7 @@
                         <a:t> </a:t>
                       </a:r>
                       <a:r>
-                        <a:rPr lang="ko-KR" altLang="en-US" sz="800" b="0" i="0" kern="1200">
+                        <a:rPr lang="ko-KR" altLang="en-US" sz="800" b="0" i="0" kern="1200" dirty="0">
                           <a:solidFill>
                             <a:schemeClr val="tx1"/>
                           </a:solidFill>
@@ -20106,7 +19112,7 @@
                         <a:t>취소</a:t>
                       </a:r>
                       <a:r>
-                        <a:rPr lang="en-US" altLang="ko-KR" sz="800" b="0" i="0" kern="1200">
+                        <a:rPr lang="en-US" altLang="ko-KR" sz="800" b="0" i="0" kern="1200" dirty="0">
                           <a:solidFill>
                             <a:schemeClr val="tx1"/>
                           </a:solidFill>
@@ -20116,7 +19122,7 @@
                         <a:t>, (</a:t>
                       </a:r>
                       <a:r>
-                        <a:rPr lang="ko-KR" altLang="en-US" sz="800" b="0" i="0" kern="1200">
+                        <a:rPr lang="ko-KR" altLang="en-US" sz="800" b="0" i="0" kern="1200" dirty="0">
                           <a:solidFill>
                             <a:schemeClr val="tx1"/>
                           </a:solidFill>
@@ -20126,7 +19132,7 @@
                         <a:t>안내문</a:t>
                       </a:r>
                       <a:r>
-                        <a:rPr lang="en-US" altLang="en-US" sz="800" b="0" i="0" kern="1200">
+                        <a:rPr lang="en-US" altLang="en-US" sz="800" b="0" i="0" kern="1200" dirty="0">
                           <a:solidFill>
                             <a:schemeClr val="tx1"/>
                           </a:solidFill>
@@ -20136,7 +19142,7 @@
                         <a:t> </a:t>
                       </a:r>
                       <a:r>
-                        <a:rPr lang="en-US" altLang="ko-KR" sz="800" b="0" i="0" kern="1200">
+                        <a:rPr lang="en-US" altLang="ko-KR" sz="800" b="0" i="0" kern="1200" dirty="0">
                           <a:solidFill>
                             <a:schemeClr val="tx1"/>
                           </a:solidFill>
@@ -20146,7 +19152,7 @@
                         <a:t>: </a:t>
                       </a:r>
                       <a:r>
-                        <a:rPr lang="ko-KR" altLang="en-US" sz="800" b="0" i="0" kern="1200">
+                        <a:rPr lang="ko-KR" altLang="en-US" sz="800" b="0" i="0" kern="1200" dirty="0">
                           <a:solidFill>
                             <a:schemeClr val="tx1"/>
                           </a:solidFill>
@@ -20156,7 +19162,7 @@
                         <a:t>취소되셨습니다</a:t>
                       </a:r>
                       <a:r>
-                        <a:rPr lang="en-US" altLang="ko-KR" sz="800" b="0" i="0" kern="1200">
+                        <a:rPr lang="en-US" altLang="ko-KR" sz="800" b="0" i="0" kern="1200" dirty="0">
                           <a:solidFill>
                             <a:schemeClr val="tx1"/>
                           </a:solidFill>
@@ -20166,7 +19172,7 @@
                         <a:t>.) </a:t>
                       </a:r>
                       <a:r>
-                        <a:rPr lang="ko-KR" altLang="en-US" sz="800" b="0" i="0" kern="1200">
+                        <a:rPr lang="ko-KR" altLang="en-US" sz="800" b="0" i="0" kern="1200" dirty="0">
                           <a:solidFill>
                             <a:schemeClr val="tx1"/>
                           </a:solidFill>
@@ -20176,7 +19182,7 @@
                         <a:t>뜨고서</a:t>
                       </a:r>
                       <a:r>
-                        <a:rPr lang="en-US" altLang="en-US" sz="800" b="0" i="0" kern="1200">
+                        <a:rPr lang="en-US" altLang="en-US" sz="800" b="0" i="0" kern="1200" dirty="0">
                           <a:solidFill>
                             <a:schemeClr val="tx1"/>
                           </a:solidFill>
@@ -20186,7 +19192,7 @@
                         <a:t> </a:t>
                       </a:r>
                       <a:r>
-                        <a:rPr lang="ko-KR" altLang="en-US" sz="800" b="0" i="0" kern="1200">
+                        <a:rPr lang="ko-KR" altLang="en-US" sz="800" b="0" i="0" kern="1200" dirty="0">
                           <a:solidFill>
                             <a:schemeClr val="tx1"/>
                           </a:solidFill>
@@ -20196,7 +19202,7 @@
                         <a:t>확인</a:t>
                       </a:r>
                       <a:r>
-                        <a:rPr lang="en-US" altLang="en-US" sz="800" b="0" i="0" kern="1200">
+                        <a:rPr lang="en-US" altLang="en-US" sz="800" b="0" i="0" kern="1200" dirty="0">
                           <a:solidFill>
                             <a:schemeClr val="tx1"/>
                           </a:solidFill>
@@ -20206,7 +19212,7 @@
                         <a:t> </a:t>
                       </a:r>
                       <a:r>
-                        <a:rPr lang="ko-KR" altLang="en-US" sz="800" b="0" i="0" kern="1200">
+                        <a:rPr lang="ko-KR" altLang="en-US" sz="800" b="0" i="0" kern="1200" dirty="0">
                           <a:solidFill>
                             <a:schemeClr val="tx1"/>
                           </a:solidFill>
@@ -20216,7 +19222,7 @@
                         <a:t>누르면</a:t>
                       </a:r>
                       <a:r>
-                        <a:rPr lang="en-US" altLang="en-US" sz="800" b="0" i="0" kern="1200">
+                        <a:rPr lang="en-US" altLang="en-US" sz="800" b="0" i="0" kern="1200" dirty="0">
                           <a:solidFill>
                             <a:schemeClr val="tx1"/>
                           </a:solidFill>
@@ -20226,7 +19232,7 @@
                         <a:t> </a:t>
                       </a:r>
                       <a:r>
-                        <a:rPr lang="ko-KR" altLang="en-US" sz="800" b="0" i="0" kern="1200">
+                        <a:rPr lang="ko-KR" altLang="en-US" sz="800" b="0" i="0" kern="1200" dirty="0">
                           <a:solidFill>
                             <a:schemeClr val="tx1"/>
                           </a:solidFill>
@@ -20236,7 +19242,7 @@
                         <a:t>홈페이지로</a:t>
                       </a:r>
                       <a:r>
-                        <a:rPr lang="en-US" altLang="en-US" sz="800" b="0" i="0" kern="1200">
+                        <a:rPr lang="en-US" altLang="en-US" sz="800" b="0" i="0" kern="1200" dirty="0">
                           <a:solidFill>
                             <a:schemeClr val="tx1"/>
                           </a:solidFill>
@@ -20246,7 +19252,7 @@
                         <a:t> </a:t>
                       </a:r>
                       <a:r>
-                        <a:rPr lang="ko-KR" altLang="en-US" sz="800" b="0" i="0" kern="1200">
+                        <a:rPr lang="ko-KR" altLang="en-US" sz="800" b="0" i="0" kern="1200" dirty="0">
                           <a:solidFill>
                             <a:schemeClr val="tx1"/>
                           </a:solidFill>
@@ -20370,7 +19376,7 @@
                         <a:buNone/>
                       </a:pPr>
                       <a:r>
-                        <a:rPr lang="ko-KR" altLang="ko-KR" sz="1000" b="0">
+                        <a:rPr lang="ko-KR" altLang="ko-KR" sz="1000" b="0" dirty="0">
                           <a:solidFill>
                             <a:schemeClr val="tx1">
                               <a:alpha val="100000"/>
@@ -20381,7 +19387,7 @@
                         <a:t>화면</a:t>
                       </a:r>
                       <a:r>
-                        <a:rPr lang="en-US" altLang="ko-KR" sz="1000" b="0">
+                        <a:rPr lang="en-US" altLang="ko-KR" sz="1000" b="0" dirty="0">
                           <a:solidFill>
                             <a:schemeClr val="tx1">
                               <a:alpha val="100000"/>
@@ -20392,7 +19398,7 @@
                         <a:t> </a:t>
                       </a:r>
                       <a:r>
-                        <a:rPr lang="ko-KR" altLang="ko-KR" sz="1000" b="0">
+                        <a:rPr lang="ko-KR" altLang="ko-KR" sz="1000" b="0" dirty="0">
                           <a:solidFill>
                             <a:schemeClr val="tx1">
                               <a:alpha val="100000"/>
@@ -20819,19 +19825,39 @@
                           <a:latin typeface="맑은 고딕"/>
                           <a:ea typeface="맑은 고딕"/>
                         </a:rPr>
-                        <a:t>Membership Join</a:t>
-                      </a:r>
-                      <a:r>
-                        <a:rPr lang="en-US" altLang="ko-KR" sz="1000" b="0">
+                        <a:t>Membership </a:t>
+                      </a:r>
+                      <a:r>
+                        <a:rPr lang="en-US" altLang="ko-KR" sz="1000" b="0" dirty="0" smtClean="0">
                           <a:solidFill>
                             <a:schemeClr val="tx1">
                               <a:alpha val="100000"/>
                             </a:schemeClr>
                           </a:solidFill>
                           <a:latin typeface="맑은 고딕"/>
+                          <a:ea typeface="맑은 고딕"/>
+                        </a:rPr>
+                        <a:t>Modify</a:t>
+                      </a:r>
+                      <a:r>
+                        <a:rPr lang="en-US" altLang="ko-KR" sz="1000" b="0" dirty="0" smtClean="0">
+                          <a:solidFill>
+                            <a:schemeClr val="tx1">
+                              <a:alpha val="100000"/>
+                            </a:schemeClr>
+                          </a:solidFill>
+                          <a:latin typeface="맑은 고딕"/>
                         </a:rPr>
                         <a:t>.html</a:t>
                       </a:r>
+                      <a:endParaRPr lang="en-US" altLang="ko-KR" sz="1000" b="0" dirty="0">
+                        <a:solidFill>
+                          <a:schemeClr val="tx1">
+                            <a:alpha val="100000"/>
+                          </a:schemeClr>
+                        </a:solidFill>
+                        <a:latin typeface="맑은 고딕"/>
+                      </a:endParaRPr>
                     </a:p>
                   </a:txBody>
                   <a:tcPr marL="90170" marR="90170" marT="46990" marB="46990" anchor="ctr">
@@ -21039,7 +20065,7 @@
       </p:graphicFrame>
       <p:pic>
         <p:nvPicPr>
-          <p:cNvPr id="7" name="그림 6" descr="정보변경.png"/>
+          <p:cNvPr id="8" name="그림 7" descr="정보변경.png"/>
           <p:cNvPicPr>
             <a:picLocks noChangeAspect="1"/>
           </p:cNvPicPr>
@@ -21053,8 +20079,8 @@
         </p:blipFill>
         <p:spPr>
           <a:xfrm>
-            <a:off x="1595406" y="1142984"/>
-            <a:ext cx="6296904" cy="5020376"/>
+            <a:off x="1595406" y="1000108"/>
+            <a:ext cx="6298571" cy="5021705"/>
           </a:xfrm>
           <a:prstGeom prst="rect">
             <a:avLst/>
